--- a/src/modules/ekf2/EKF2.pptx
+++ b/src/modules/ekf2/EKF2.pptx
@@ -6,21 +6,26 @@
   </p:sldMasterIdLst>
   <p:sldIdLst>
     <p:sldId id="256" r:id="rId2"/>
-    <p:sldId id="257" r:id="rId3"/>
-    <p:sldId id="258" r:id="rId4"/>
-    <p:sldId id="262" r:id="rId5"/>
-    <p:sldId id="263" r:id="rId6"/>
-    <p:sldId id="264" r:id="rId7"/>
-    <p:sldId id="261" r:id="rId8"/>
-    <p:sldId id="259" r:id="rId9"/>
-    <p:sldId id="260" r:id="rId10"/>
-    <p:sldId id="265" r:id="rId11"/>
-    <p:sldId id="266" r:id="rId12"/>
-    <p:sldId id="267" r:id="rId13"/>
-    <p:sldId id="270" r:id="rId14"/>
-    <p:sldId id="271" r:id="rId15"/>
-    <p:sldId id="272" r:id="rId16"/>
-    <p:sldId id="273" r:id="rId17"/>
+    <p:sldId id="274" r:id="rId3"/>
+    <p:sldId id="257" r:id="rId4"/>
+    <p:sldId id="258" r:id="rId5"/>
+    <p:sldId id="262" r:id="rId6"/>
+    <p:sldId id="263" r:id="rId7"/>
+    <p:sldId id="264" r:id="rId8"/>
+    <p:sldId id="278" r:id="rId9"/>
+    <p:sldId id="261" r:id="rId10"/>
+    <p:sldId id="259" r:id="rId11"/>
+    <p:sldId id="260" r:id="rId12"/>
+    <p:sldId id="265" r:id="rId13"/>
+    <p:sldId id="266" r:id="rId14"/>
+    <p:sldId id="267" r:id="rId15"/>
+    <p:sldId id="270" r:id="rId16"/>
+    <p:sldId id="271" r:id="rId17"/>
+    <p:sldId id="272" r:id="rId18"/>
+    <p:sldId id="273" r:id="rId19"/>
+    <p:sldId id="275" r:id="rId20"/>
+    <p:sldId id="277" r:id="rId21"/>
+    <p:sldId id="276" r:id="rId22"/>
   </p:sldIdLst>
   <p:sldSz cx="12192000" cy="6858000"/>
   <p:notesSz cx="6858000" cy="9144000"/>
@@ -278,7 +283,7 @@
           <a:p>
             <a:fld id="{3578CF7B-0BAA-4532-8097-948D92593675}" type="datetimeFigureOut">
               <a:rPr lang="zh-CN" altLang="en-US" smtClean="0"/>
-              <a:t>2017/8/5</a:t>
+              <a:t>2017/8/12</a:t>
             </a:fld>
             <a:endParaRPr lang="zh-CN" altLang="en-US"/>
           </a:p>
@@ -476,7 +481,7 @@
           <a:p>
             <a:fld id="{3578CF7B-0BAA-4532-8097-948D92593675}" type="datetimeFigureOut">
               <a:rPr lang="zh-CN" altLang="en-US" smtClean="0"/>
-              <a:t>2017/8/5</a:t>
+              <a:t>2017/8/12</a:t>
             </a:fld>
             <a:endParaRPr lang="zh-CN" altLang="en-US"/>
           </a:p>
@@ -684,7 +689,7 @@
           <a:p>
             <a:fld id="{3578CF7B-0BAA-4532-8097-948D92593675}" type="datetimeFigureOut">
               <a:rPr lang="zh-CN" altLang="en-US" smtClean="0"/>
-              <a:t>2017/8/5</a:t>
+              <a:t>2017/8/12</a:t>
             </a:fld>
             <a:endParaRPr lang="zh-CN" altLang="en-US"/>
           </a:p>
@@ -882,7 +887,7 @@
           <a:p>
             <a:fld id="{3578CF7B-0BAA-4532-8097-948D92593675}" type="datetimeFigureOut">
               <a:rPr lang="zh-CN" altLang="en-US" smtClean="0"/>
-              <a:t>2017/8/5</a:t>
+              <a:t>2017/8/12</a:t>
             </a:fld>
             <a:endParaRPr lang="zh-CN" altLang="en-US"/>
           </a:p>
@@ -1157,7 +1162,7 @@
           <a:p>
             <a:fld id="{3578CF7B-0BAA-4532-8097-948D92593675}" type="datetimeFigureOut">
               <a:rPr lang="zh-CN" altLang="en-US" smtClean="0"/>
-              <a:t>2017/8/5</a:t>
+              <a:t>2017/8/12</a:t>
             </a:fld>
             <a:endParaRPr lang="zh-CN" altLang="en-US"/>
           </a:p>
@@ -1422,7 +1427,7 @@
           <a:p>
             <a:fld id="{3578CF7B-0BAA-4532-8097-948D92593675}" type="datetimeFigureOut">
               <a:rPr lang="zh-CN" altLang="en-US" smtClean="0"/>
-              <a:t>2017/8/5</a:t>
+              <a:t>2017/8/12</a:t>
             </a:fld>
             <a:endParaRPr lang="zh-CN" altLang="en-US"/>
           </a:p>
@@ -1834,7 +1839,7 @@
           <a:p>
             <a:fld id="{3578CF7B-0BAA-4532-8097-948D92593675}" type="datetimeFigureOut">
               <a:rPr lang="zh-CN" altLang="en-US" smtClean="0"/>
-              <a:t>2017/8/5</a:t>
+              <a:t>2017/8/12</a:t>
             </a:fld>
             <a:endParaRPr lang="zh-CN" altLang="en-US"/>
           </a:p>
@@ -1975,7 +1980,7 @@
           <a:p>
             <a:fld id="{3578CF7B-0BAA-4532-8097-948D92593675}" type="datetimeFigureOut">
               <a:rPr lang="zh-CN" altLang="en-US" smtClean="0"/>
-              <a:t>2017/8/5</a:t>
+              <a:t>2017/8/12</a:t>
             </a:fld>
             <a:endParaRPr lang="zh-CN" altLang="en-US"/>
           </a:p>
@@ -2088,7 +2093,7 @@
           <a:p>
             <a:fld id="{3578CF7B-0BAA-4532-8097-948D92593675}" type="datetimeFigureOut">
               <a:rPr lang="zh-CN" altLang="en-US" smtClean="0"/>
-              <a:t>2017/8/5</a:t>
+              <a:t>2017/8/12</a:t>
             </a:fld>
             <a:endParaRPr lang="zh-CN" altLang="en-US"/>
           </a:p>
@@ -2399,7 +2404,7 @@
           <a:p>
             <a:fld id="{3578CF7B-0BAA-4532-8097-948D92593675}" type="datetimeFigureOut">
               <a:rPr lang="zh-CN" altLang="en-US" smtClean="0"/>
-              <a:t>2017/8/5</a:t>
+              <a:t>2017/8/12</a:t>
             </a:fld>
             <a:endParaRPr lang="zh-CN" altLang="en-US"/>
           </a:p>
@@ -2687,7 +2692,7 @@
           <a:p>
             <a:fld id="{3578CF7B-0BAA-4532-8097-948D92593675}" type="datetimeFigureOut">
               <a:rPr lang="zh-CN" altLang="en-US" smtClean="0"/>
-              <a:t>2017/8/5</a:t>
+              <a:t>2017/8/12</a:t>
             </a:fld>
             <a:endParaRPr lang="zh-CN" altLang="en-US"/>
           </a:p>
@@ -2928,7 +2933,7 @@
           <a:p>
             <a:fld id="{3578CF7B-0BAA-4532-8097-948D92593675}" type="datetimeFigureOut">
               <a:rPr lang="zh-CN" altLang="en-US" smtClean="0"/>
-              <a:t>2017/8/5</a:t>
+              <a:t>2017/8/12</a:t>
             </a:fld>
             <a:endParaRPr lang="zh-CN" altLang="en-US"/>
           </a:p>
@@ -3361,7 +3366,12 @@
             <p:ph type="ctrTitle"/>
           </p:nvPr>
         </p:nvSpPr>
-        <p:spPr/>
+        <p:spPr>
+          <a:xfrm>
+            <a:off x="1524000" y="1122363"/>
+            <a:ext cx="9144000" cy="2387600"/>
+          </a:xfrm>
+        </p:spPr>
         <p:txBody>
           <a:bodyPr/>
           <a:lstStyle/>
@@ -3416,6 +3426,840 @@
 </file>
 
 <file path=ppt/slides/slide10.xml><?xml version="1.0" encoding="utf-8"?>
+<p:sld xmlns:a="http://schemas.openxmlformats.org/drawingml/2006/main" xmlns:r="http://schemas.openxmlformats.org/officeDocument/2006/relationships" xmlns:p="http://schemas.openxmlformats.org/presentationml/2006/main">
+  <p:cSld>
+    <p:spTree>
+      <p:nvGrpSpPr>
+        <p:cNvPr id="1" name=""/>
+        <p:cNvGrpSpPr/>
+        <p:nvPr/>
+      </p:nvGrpSpPr>
+      <p:grpSpPr>
+        <a:xfrm>
+          <a:off x="0" y="0"/>
+          <a:ext cx="0" cy="0"/>
+          <a:chOff x="0" y="0"/>
+          <a:chExt cx="0" cy="0"/>
+        </a:xfrm>
+      </p:grpSpPr>
+      <p:sp>
+        <p:nvSpPr>
+          <p:cNvPr id="3" name="内容占位符 2">
+            <a:extLst>
+              <a:ext uri="{FF2B5EF4-FFF2-40B4-BE49-F238E27FC236}">
+                <a16:creationId xmlns:a16="http://schemas.microsoft.com/office/drawing/2014/main" id="{0B781130-9EEE-4415-BC67-7E2047FCBDEA}"/>
+              </a:ext>
+            </a:extLst>
+          </p:cNvPr>
+          <p:cNvSpPr>
+            <a:spLocks noGrp="1"/>
+          </p:cNvSpPr>
+          <p:nvPr>
+            <p:ph idx="1"/>
+          </p:nvPr>
+        </p:nvSpPr>
+        <p:spPr>
+          <a:xfrm>
+            <a:off x="937728" y="1334278"/>
+            <a:ext cx="10515600" cy="4351338"/>
+          </a:xfrm>
+        </p:spPr>
+        <p:txBody>
+          <a:bodyPr>
+            <a:normAutofit/>
+          </a:bodyPr>
+          <a:lstStyle/>
+          <a:p>
+            <a:r>
+              <a:rPr lang="en-US" altLang="zh-CN" sz="2000" dirty="0"/>
+              <a:t>Private</a:t>
+            </a:r>
+            <a:r>
+              <a:rPr lang="zh-CN" altLang="en-US" sz="2000" dirty="0"/>
+              <a:t>：</a:t>
+            </a:r>
+          </a:p>
+        </p:txBody>
+      </p:sp>
+      <p:sp>
+        <p:nvSpPr>
+          <p:cNvPr id="6" name="标题 1">
+            <a:extLst>
+              <a:ext uri="{FF2B5EF4-FFF2-40B4-BE49-F238E27FC236}">
+                <a16:creationId xmlns:a16="http://schemas.microsoft.com/office/drawing/2014/main" id="{F82D9E81-FE08-466B-A995-169CBC42D0D8}"/>
+              </a:ext>
+            </a:extLst>
+          </p:cNvPr>
+          <p:cNvSpPr>
+            <a:spLocks noGrp="1"/>
+          </p:cNvSpPr>
+          <p:nvPr>
+            <p:ph type="title"/>
+          </p:nvPr>
+        </p:nvSpPr>
+        <p:spPr>
+          <a:xfrm>
+            <a:off x="419879" y="365125"/>
+            <a:ext cx="11551298" cy="969153"/>
+          </a:xfrm>
+        </p:spPr>
+        <p:txBody>
+          <a:bodyPr>
+            <a:noAutofit/>
+          </a:bodyPr>
+          <a:lstStyle/>
+          <a:p>
+            <a:r>
+              <a:rPr lang="en-US" altLang="zh-CN" sz="3200" dirty="0"/>
+              <a:t>class Ekf2 : public control::</a:t>
+            </a:r>
+            <a:r>
+              <a:rPr lang="en-US" altLang="zh-CN" sz="3200" dirty="0" err="1"/>
+              <a:t>SuperBlock</a:t>
+            </a:r>
+            <a:r>
+              <a:rPr lang="en-US" altLang="zh-CN" sz="3200" dirty="0"/>
+              <a:t>, public </a:t>
+            </a:r>
+            <a:r>
+              <a:rPr lang="en-US" altLang="zh-CN" sz="3200" dirty="0" err="1"/>
+              <a:t>ModuleBase</a:t>
+            </a:r>
+            <a:r>
+              <a:rPr lang="en-US" altLang="zh-CN" sz="3200" dirty="0"/>
+              <a:t>&lt;Ekf2&gt;</a:t>
+            </a:r>
+            <a:endParaRPr lang="zh-CN" altLang="en-US" sz="3200" dirty="0"/>
+          </a:p>
+        </p:txBody>
+      </p:sp>
+      <p:pic>
+        <p:nvPicPr>
+          <p:cNvPr id="7" name="图片 6">
+            <a:extLst>
+              <a:ext uri="{FF2B5EF4-FFF2-40B4-BE49-F238E27FC236}">
+                <a16:creationId xmlns:a16="http://schemas.microsoft.com/office/drawing/2014/main" id="{AA924D94-2132-4B3C-8925-6823961BD6C1}"/>
+              </a:ext>
+            </a:extLst>
+          </p:cNvPr>
+          <p:cNvPicPr>
+            <a:picLocks noChangeAspect="1"/>
+          </p:cNvPicPr>
+          <p:nvPr/>
+        </p:nvPicPr>
+        <p:blipFill>
+          <a:blip r:embed="rId2"/>
+          <a:stretch>
+            <a:fillRect/>
+          </a:stretch>
+        </p:blipFill>
+        <p:spPr>
+          <a:xfrm>
+            <a:off x="2405821" y="1334278"/>
+            <a:ext cx="5364945" cy="1059272"/>
+          </a:xfrm>
+          <a:prstGeom prst="rect">
+            <a:avLst/>
+          </a:prstGeom>
+        </p:spPr>
+      </p:pic>
+      <p:pic>
+        <p:nvPicPr>
+          <p:cNvPr id="8" name="图片 7">
+            <a:extLst>
+              <a:ext uri="{FF2B5EF4-FFF2-40B4-BE49-F238E27FC236}">
+                <a16:creationId xmlns:a16="http://schemas.microsoft.com/office/drawing/2014/main" id="{5AD7BD98-1D38-4503-AAA5-5FCD999089A5}"/>
+              </a:ext>
+            </a:extLst>
+          </p:cNvPr>
+          <p:cNvPicPr>
+            <a:picLocks noChangeAspect="1"/>
+          </p:cNvPicPr>
+          <p:nvPr/>
+        </p:nvPicPr>
+        <p:blipFill>
+          <a:blip r:embed="rId3"/>
+          <a:stretch>
+            <a:fillRect/>
+          </a:stretch>
+        </p:blipFill>
+        <p:spPr>
+          <a:xfrm>
+            <a:off x="2405821" y="2775912"/>
+            <a:ext cx="4206605" cy="586791"/>
+          </a:xfrm>
+          <a:prstGeom prst="rect">
+            <a:avLst/>
+          </a:prstGeom>
+        </p:spPr>
+      </p:pic>
+      <p:pic>
+        <p:nvPicPr>
+          <p:cNvPr id="9" name="图片 8">
+            <a:extLst>
+              <a:ext uri="{FF2B5EF4-FFF2-40B4-BE49-F238E27FC236}">
+                <a16:creationId xmlns:a16="http://schemas.microsoft.com/office/drawing/2014/main" id="{138C7DF4-5E46-43E5-BBB2-FDF277E49A8D}"/>
+              </a:ext>
+            </a:extLst>
+          </p:cNvPr>
+          <p:cNvPicPr>
+            <a:picLocks noChangeAspect="1"/>
+          </p:cNvPicPr>
+          <p:nvPr/>
+        </p:nvPicPr>
+        <p:blipFill>
+          <a:blip r:embed="rId4"/>
+          <a:stretch>
+            <a:fillRect/>
+          </a:stretch>
+        </p:blipFill>
+        <p:spPr>
+          <a:xfrm>
+            <a:off x="2405821" y="3803152"/>
+            <a:ext cx="4450466" cy="716342"/>
+          </a:xfrm>
+          <a:prstGeom prst="rect">
+            <a:avLst/>
+          </a:prstGeom>
+        </p:spPr>
+      </p:pic>
+      <p:sp>
+        <p:nvSpPr>
+          <p:cNvPr id="11" name="内容占位符 2">
+            <a:extLst>
+              <a:ext uri="{FF2B5EF4-FFF2-40B4-BE49-F238E27FC236}">
+                <a16:creationId xmlns:a16="http://schemas.microsoft.com/office/drawing/2014/main" id="{8739278C-5DBA-4FA7-8242-0340E6F57AC0}"/>
+              </a:ext>
+            </a:extLst>
+          </p:cNvPr>
+          <p:cNvSpPr txBox="1">
+            <a:spLocks/>
+          </p:cNvSpPr>
+          <p:nvPr/>
+        </p:nvSpPr>
+        <p:spPr>
+          <a:xfrm>
+            <a:off x="937728" y="1324947"/>
+            <a:ext cx="10515600" cy="4351338"/>
+          </a:xfrm>
+          <a:prstGeom prst="rect">
+            <a:avLst/>
+          </a:prstGeom>
+        </p:spPr>
+        <p:txBody>
+          <a:bodyPr vert="horz" lIns="91440" tIns="45720" rIns="91440" bIns="45720" rtlCol="0">
+            <a:normAutofit/>
+          </a:bodyPr>
+          <a:lstStyle>
+            <a:lvl1pPr marL="228600" indent="-228600" algn="l" defTabSz="914400" rtl="0" eaLnBrk="1" latinLnBrk="0" hangingPunct="1">
+              <a:lnSpc>
+                <a:spcPct val="90000"/>
+              </a:lnSpc>
+              <a:spcBef>
+                <a:spcPts val="1000"/>
+              </a:spcBef>
+              <a:buFont typeface="Arial" panose="020B0604020202020204" pitchFamily="34" charset="0"/>
+              <a:buChar char="•"/>
+              <a:defRPr sz="2800" kern="1200">
+                <a:solidFill>
+                  <a:schemeClr val="tx1"/>
+                </a:solidFill>
+                <a:latin typeface="+mn-lt"/>
+                <a:ea typeface="+mn-ea"/>
+                <a:cs typeface="+mn-cs"/>
+              </a:defRPr>
+            </a:lvl1pPr>
+            <a:lvl2pPr marL="685800" indent="-228600" algn="l" defTabSz="914400" rtl="0" eaLnBrk="1" latinLnBrk="0" hangingPunct="1">
+              <a:lnSpc>
+                <a:spcPct val="90000"/>
+              </a:lnSpc>
+              <a:spcBef>
+                <a:spcPts val="500"/>
+              </a:spcBef>
+              <a:buFont typeface="Arial" panose="020B0604020202020204" pitchFamily="34" charset="0"/>
+              <a:buChar char="•"/>
+              <a:defRPr sz="2400" kern="1200">
+                <a:solidFill>
+                  <a:schemeClr val="tx1"/>
+                </a:solidFill>
+                <a:latin typeface="+mn-lt"/>
+                <a:ea typeface="+mn-ea"/>
+                <a:cs typeface="+mn-cs"/>
+              </a:defRPr>
+            </a:lvl2pPr>
+            <a:lvl3pPr marL="1143000" indent="-228600" algn="l" defTabSz="914400" rtl="0" eaLnBrk="1" latinLnBrk="0" hangingPunct="1">
+              <a:lnSpc>
+                <a:spcPct val="90000"/>
+              </a:lnSpc>
+              <a:spcBef>
+                <a:spcPts val="500"/>
+              </a:spcBef>
+              <a:buFont typeface="Arial" panose="020B0604020202020204" pitchFamily="34" charset="0"/>
+              <a:buChar char="•"/>
+              <a:defRPr sz="2000" kern="1200">
+                <a:solidFill>
+                  <a:schemeClr val="tx1"/>
+                </a:solidFill>
+                <a:latin typeface="+mn-lt"/>
+                <a:ea typeface="+mn-ea"/>
+                <a:cs typeface="+mn-cs"/>
+              </a:defRPr>
+            </a:lvl3pPr>
+            <a:lvl4pPr marL="1600200" indent="-228600" algn="l" defTabSz="914400" rtl="0" eaLnBrk="1" latinLnBrk="0" hangingPunct="1">
+              <a:lnSpc>
+                <a:spcPct val="90000"/>
+              </a:lnSpc>
+              <a:spcBef>
+                <a:spcPts val="500"/>
+              </a:spcBef>
+              <a:buFont typeface="Arial" panose="020B0604020202020204" pitchFamily="34" charset="0"/>
+              <a:buChar char="•"/>
+              <a:defRPr sz="1800" kern="1200">
+                <a:solidFill>
+                  <a:schemeClr val="tx1"/>
+                </a:solidFill>
+                <a:latin typeface="+mn-lt"/>
+                <a:ea typeface="+mn-ea"/>
+                <a:cs typeface="+mn-cs"/>
+              </a:defRPr>
+            </a:lvl4pPr>
+            <a:lvl5pPr marL="2057400" indent="-228600" algn="l" defTabSz="914400" rtl="0" eaLnBrk="1" latinLnBrk="0" hangingPunct="1">
+              <a:lnSpc>
+                <a:spcPct val="90000"/>
+              </a:lnSpc>
+              <a:spcBef>
+                <a:spcPts val="500"/>
+              </a:spcBef>
+              <a:buFont typeface="Arial" panose="020B0604020202020204" pitchFamily="34" charset="0"/>
+              <a:buChar char="•"/>
+              <a:defRPr sz="1800" kern="1200">
+                <a:solidFill>
+                  <a:schemeClr val="tx1"/>
+                </a:solidFill>
+                <a:latin typeface="+mn-lt"/>
+                <a:ea typeface="+mn-ea"/>
+                <a:cs typeface="+mn-cs"/>
+              </a:defRPr>
+            </a:lvl5pPr>
+            <a:lvl6pPr marL="2514600" indent="-228600" algn="l" defTabSz="914400" rtl="0" eaLnBrk="1" latinLnBrk="0" hangingPunct="1">
+              <a:lnSpc>
+                <a:spcPct val="90000"/>
+              </a:lnSpc>
+              <a:spcBef>
+                <a:spcPts val="500"/>
+              </a:spcBef>
+              <a:buFont typeface="Arial" panose="020B0604020202020204" pitchFamily="34" charset="0"/>
+              <a:buChar char="•"/>
+              <a:defRPr sz="1800" kern="1200">
+                <a:solidFill>
+                  <a:schemeClr val="tx1"/>
+                </a:solidFill>
+                <a:latin typeface="+mn-lt"/>
+                <a:ea typeface="+mn-ea"/>
+                <a:cs typeface="+mn-cs"/>
+              </a:defRPr>
+            </a:lvl6pPr>
+            <a:lvl7pPr marL="2971800" indent="-228600" algn="l" defTabSz="914400" rtl="0" eaLnBrk="1" latinLnBrk="0" hangingPunct="1">
+              <a:lnSpc>
+                <a:spcPct val="90000"/>
+              </a:lnSpc>
+              <a:spcBef>
+                <a:spcPts val="500"/>
+              </a:spcBef>
+              <a:buFont typeface="Arial" panose="020B0604020202020204" pitchFamily="34" charset="0"/>
+              <a:buChar char="•"/>
+              <a:defRPr sz="1800" kern="1200">
+                <a:solidFill>
+                  <a:schemeClr val="tx1"/>
+                </a:solidFill>
+                <a:latin typeface="+mn-lt"/>
+                <a:ea typeface="+mn-ea"/>
+                <a:cs typeface="+mn-cs"/>
+              </a:defRPr>
+            </a:lvl7pPr>
+            <a:lvl8pPr marL="3429000" indent="-228600" algn="l" defTabSz="914400" rtl="0" eaLnBrk="1" latinLnBrk="0" hangingPunct="1">
+              <a:lnSpc>
+                <a:spcPct val="90000"/>
+              </a:lnSpc>
+              <a:spcBef>
+                <a:spcPts val="500"/>
+              </a:spcBef>
+              <a:buFont typeface="Arial" panose="020B0604020202020204" pitchFamily="34" charset="0"/>
+              <a:buChar char="•"/>
+              <a:defRPr sz="1800" kern="1200">
+                <a:solidFill>
+                  <a:schemeClr val="tx1"/>
+                </a:solidFill>
+                <a:latin typeface="+mn-lt"/>
+                <a:ea typeface="+mn-ea"/>
+                <a:cs typeface="+mn-cs"/>
+              </a:defRPr>
+            </a:lvl8pPr>
+            <a:lvl9pPr marL="3886200" indent="-228600" algn="l" defTabSz="914400" rtl="0" eaLnBrk="1" latinLnBrk="0" hangingPunct="1">
+              <a:lnSpc>
+                <a:spcPct val="90000"/>
+              </a:lnSpc>
+              <a:spcBef>
+                <a:spcPts val="500"/>
+              </a:spcBef>
+              <a:buFont typeface="Arial" panose="020B0604020202020204" pitchFamily="34" charset="0"/>
+              <a:buChar char="•"/>
+              <a:defRPr sz="1800" kern="1200">
+                <a:solidFill>
+                  <a:schemeClr val="tx1"/>
+                </a:solidFill>
+                <a:latin typeface="+mn-lt"/>
+                <a:ea typeface="+mn-ea"/>
+                <a:cs typeface="+mn-cs"/>
+              </a:defRPr>
+            </a:lvl9pPr>
+          </a:lstStyle>
+          <a:p>
+            <a:r>
+              <a:rPr lang="en-US" altLang="zh-CN" sz="2000"/>
+              <a:t>Private</a:t>
+            </a:r>
+            <a:r>
+              <a:rPr lang="zh-CN" altLang="en-US" sz="2000"/>
+              <a:t>：</a:t>
+            </a:r>
+            <a:endParaRPr lang="zh-CN" altLang="en-US" sz="2000" dirty="0"/>
+          </a:p>
+        </p:txBody>
+      </p:sp>
+      <p:sp>
+        <p:nvSpPr>
+          <p:cNvPr id="12" name="标题 1">
+            <a:extLst>
+              <a:ext uri="{FF2B5EF4-FFF2-40B4-BE49-F238E27FC236}">
+                <a16:creationId xmlns:a16="http://schemas.microsoft.com/office/drawing/2014/main" id="{A2F39B43-EB51-4BE9-86D4-3BB0C7DB0A0B}"/>
+              </a:ext>
+            </a:extLst>
+          </p:cNvPr>
+          <p:cNvSpPr txBox="1">
+            <a:spLocks/>
+          </p:cNvSpPr>
+          <p:nvPr/>
+        </p:nvSpPr>
+        <p:spPr>
+          <a:xfrm>
+            <a:off x="419879" y="355794"/>
+            <a:ext cx="11551298" cy="969153"/>
+          </a:xfrm>
+          <a:prstGeom prst="rect">
+            <a:avLst/>
+          </a:prstGeom>
+        </p:spPr>
+        <p:txBody>
+          <a:bodyPr vert="horz" lIns="91440" tIns="45720" rIns="91440" bIns="45720" rtlCol="0" anchor="ctr">
+            <a:noAutofit/>
+          </a:bodyPr>
+          <a:lstStyle>
+            <a:lvl1pPr algn="l" defTabSz="914400" rtl="0" eaLnBrk="1" latinLnBrk="0" hangingPunct="1">
+              <a:lnSpc>
+                <a:spcPct val="90000"/>
+              </a:lnSpc>
+              <a:spcBef>
+                <a:spcPct val="0"/>
+              </a:spcBef>
+              <a:buNone/>
+              <a:defRPr sz="4400" kern="1200">
+                <a:solidFill>
+                  <a:schemeClr val="tx1"/>
+                </a:solidFill>
+                <a:latin typeface="+mj-lt"/>
+                <a:ea typeface="+mj-ea"/>
+                <a:cs typeface="+mj-cs"/>
+              </a:defRPr>
+            </a:lvl1pPr>
+          </a:lstStyle>
+          <a:p>
+            <a:r>
+              <a:rPr lang="en-US" altLang="zh-CN" sz="3200"/>
+              <a:t>class Ekf2 : public control::SuperBlock, public ModuleBase&lt;Ekf2&gt;</a:t>
+            </a:r>
+            <a:endParaRPr lang="zh-CN" altLang="en-US" sz="3200" dirty="0"/>
+          </a:p>
+        </p:txBody>
+      </p:sp>
+    </p:spTree>
+    <p:extLst>
+      <p:ext uri="{BB962C8B-B14F-4D97-AF65-F5344CB8AC3E}">
+        <p14:creationId xmlns:p14="http://schemas.microsoft.com/office/powerpoint/2010/main" val="3642054515"/>
+      </p:ext>
+    </p:extLst>
+  </p:cSld>
+  <p:clrMapOvr>
+    <a:masterClrMapping/>
+  </p:clrMapOvr>
+</p:sld>
+</file>
+
+<file path=ppt/slides/slide11.xml><?xml version="1.0" encoding="utf-8"?>
+<p:sld xmlns:a="http://schemas.openxmlformats.org/drawingml/2006/main" xmlns:r="http://schemas.openxmlformats.org/officeDocument/2006/relationships" xmlns:p="http://schemas.openxmlformats.org/presentationml/2006/main">
+  <p:cSld>
+    <p:spTree>
+      <p:nvGrpSpPr>
+        <p:cNvPr id="1" name=""/>
+        <p:cNvGrpSpPr/>
+        <p:nvPr/>
+      </p:nvGrpSpPr>
+      <p:grpSpPr>
+        <a:xfrm>
+          <a:off x="0" y="0"/>
+          <a:ext cx="0" cy="0"/>
+          <a:chOff x="0" y="0"/>
+          <a:chExt cx="0" cy="0"/>
+        </a:xfrm>
+      </p:grpSpPr>
+      <p:sp>
+        <p:nvSpPr>
+          <p:cNvPr id="4" name="内容占位符 2">
+            <a:extLst>
+              <a:ext uri="{FF2B5EF4-FFF2-40B4-BE49-F238E27FC236}">
+                <a16:creationId xmlns:a16="http://schemas.microsoft.com/office/drawing/2014/main" id="{D9F5AD39-35CE-4AC5-8E38-96C70DBDE2E0}"/>
+              </a:ext>
+            </a:extLst>
+          </p:cNvPr>
+          <p:cNvSpPr txBox="1">
+            <a:spLocks/>
+          </p:cNvSpPr>
+          <p:nvPr/>
+        </p:nvSpPr>
+        <p:spPr>
+          <a:xfrm>
+            <a:off x="937728" y="1324947"/>
+            <a:ext cx="10515600" cy="4351338"/>
+          </a:xfrm>
+          <a:prstGeom prst="rect">
+            <a:avLst/>
+          </a:prstGeom>
+        </p:spPr>
+        <p:txBody>
+          <a:bodyPr vert="horz" lIns="91440" tIns="45720" rIns="91440" bIns="45720" rtlCol="0">
+            <a:normAutofit/>
+          </a:bodyPr>
+          <a:lstStyle>
+            <a:lvl1pPr marL="228600" indent="-228600" algn="l" defTabSz="914400" rtl="0" eaLnBrk="1" latinLnBrk="0" hangingPunct="1">
+              <a:lnSpc>
+                <a:spcPct val="90000"/>
+              </a:lnSpc>
+              <a:spcBef>
+                <a:spcPts val="1000"/>
+              </a:spcBef>
+              <a:buFont typeface="Arial" panose="020B0604020202020204" pitchFamily="34" charset="0"/>
+              <a:buChar char="•"/>
+              <a:defRPr sz="2800" kern="1200">
+                <a:solidFill>
+                  <a:schemeClr val="tx1"/>
+                </a:solidFill>
+                <a:latin typeface="+mn-lt"/>
+                <a:ea typeface="+mn-ea"/>
+                <a:cs typeface="+mn-cs"/>
+              </a:defRPr>
+            </a:lvl1pPr>
+            <a:lvl2pPr marL="685800" indent="-228600" algn="l" defTabSz="914400" rtl="0" eaLnBrk="1" latinLnBrk="0" hangingPunct="1">
+              <a:lnSpc>
+                <a:spcPct val="90000"/>
+              </a:lnSpc>
+              <a:spcBef>
+                <a:spcPts val="500"/>
+              </a:spcBef>
+              <a:buFont typeface="Arial" panose="020B0604020202020204" pitchFamily="34" charset="0"/>
+              <a:buChar char="•"/>
+              <a:defRPr sz="2400" kern="1200">
+                <a:solidFill>
+                  <a:schemeClr val="tx1"/>
+                </a:solidFill>
+                <a:latin typeface="+mn-lt"/>
+                <a:ea typeface="+mn-ea"/>
+                <a:cs typeface="+mn-cs"/>
+              </a:defRPr>
+            </a:lvl2pPr>
+            <a:lvl3pPr marL="1143000" indent="-228600" algn="l" defTabSz="914400" rtl="0" eaLnBrk="1" latinLnBrk="0" hangingPunct="1">
+              <a:lnSpc>
+                <a:spcPct val="90000"/>
+              </a:lnSpc>
+              <a:spcBef>
+                <a:spcPts val="500"/>
+              </a:spcBef>
+              <a:buFont typeface="Arial" panose="020B0604020202020204" pitchFamily="34" charset="0"/>
+              <a:buChar char="•"/>
+              <a:defRPr sz="2000" kern="1200">
+                <a:solidFill>
+                  <a:schemeClr val="tx1"/>
+                </a:solidFill>
+                <a:latin typeface="+mn-lt"/>
+                <a:ea typeface="+mn-ea"/>
+                <a:cs typeface="+mn-cs"/>
+              </a:defRPr>
+            </a:lvl3pPr>
+            <a:lvl4pPr marL="1600200" indent="-228600" algn="l" defTabSz="914400" rtl="0" eaLnBrk="1" latinLnBrk="0" hangingPunct="1">
+              <a:lnSpc>
+                <a:spcPct val="90000"/>
+              </a:lnSpc>
+              <a:spcBef>
+                <a:spcPts val="500"/>
+              </a:spcBef>
+              <a:buFont typeface="Arial" panose="020B0604020202020204" pitchFamily="34" charset="0"/>
+              <a:buChar char="•"/>
+              <a:defRPr sz="1800" kern="1200">
+                <a:solidFill>
+                  <a:schemeClr val="tx1"/>
+                </a:solidFill>
+                <a:latin typeface="+mn-lt"/>
+                <a:ea typeface="+mn-ea"/>
+                <a:cs typeface="+mn-cs"/>
+              </a:defRPr>
+            </a:lvl4pPr>
+            <a:lvl5pPr marL="2057400" indent="-228600" algn="l" defTabSz="914400" rtl="0" eaLnBrk="1" latinLnBrk="0" hangingPunct="1">
+              <a:lnSpc>
+                <a:spcPct val="90000"/>
+              </a:lnSpc>
+              <a:spcBef>
+                <a:spcPts val="500"/>
+              </a:spcBef>
+              <a:buFont typeface="Arial" panose="020B0604020202020204" pitchFamily="34" charset="0"/>
+              <a:buChar char="•"/>
+              <a:defRPr sz="1800" kern="1200">
+                <a:solidFill>
+                  <a:schemeClr val="tx1"/>
+                </a:solidFill>
+                <a:latin typeface="+mn-lt"/>
+                <a:ea typeface="+mn-ea"/>
+                <a:cs typeface="+mn-cs"/>
+              </a:defRPr>
+            </a:lvl5pPr>
+            <a:lvl6pPr marL="2514600" indent="-228600" algn="l" defTabSz="914400" rtl="0" eaLnBrk="1" latinLnBrk="0" hangingPunct="1">
+              <a:lnSpc>
+                <a:spcPct val="90000"/>
+              </a:lnSpc>
+              <a:spcBef>
+                <a:spcPts val="500"/>
+              </a:spcBef>
+              <a:buFont typeface="Arial" panose="020B0604020202020204" pitchFamily="34" charset="0"/>
+              <a:buChar char="•"/>
+              <a:defRPr sz="1800" kern="1200">
+                <a:solidFill>
+                  <a:schemeClr val="tx1"/>
+                </a:solidFill>
+                <a:latin typeface="+mn-lt"/>
+                <a:ea typeface="+mn-ea"/>
+                <a:cs typeface="+mn-cs"/>
+              </a:defRPr>
+            </a:lvl6pPr>
+            <a:lvl7pPr marL="2971800" indent="-228600" algn="l" defTabSz="914400" rtl="0" eaLnBrk="1" latinLnBrk="0" hangingPunct="1">
+              <a:lnSpc>
+                <a:spcPct val="90000"/>
+              </a:lnSpc>
+              <a:spcBef>
+                <a:spcPts val="500"/>
+              </a:spcBef>
+              <a:buFont typeface="Arial" panose="020B0604020202020204" pitchFamily="34" charset="0"/>
+              <a:buChar char="•"/>
+              <a:defRPr sz="1800" kern="1200">
+                <a:solidFill>
+                  <a:schemeClr val="tx1"/>
+                </a:solidFill>
+                <a:latin typeface="+mn-lt"/>
+                <a:ea typeface="+mn-ea"/>
+                <a:cs typeface="+mn-cs"/>
+              </a:defRPr>
+            </a:lvl7pPr>
+            <a:lvl8pPr marL="3429000" indent="-228600" algn="l" defTabSz="914400" rtl="0" eaLnBrk="1" latinLnBrk="0" hangingPunct="1">
+              <a:lnSpc>
+                <a:spcPct val="90000"/>
+              </a:lnSpc>
+              <a:spcBef>
+                <a:spcPts val="500"/>
+              </a:spcBef>
+              <a:buFont typeface="Arial" panose="020B0604020202020204" pitchFamily="34" charset="0"/>
+              <a:buChar char="•"/>
+              <a:defRPr sz="1800" kern="1200">
+                <a:solidFill>
+                  <a:schemeClr val="tx1"/>
+                </a:solidFill>
+                <a:latin typeface="+mn-lt"/>
+                <a:ea typeface="+mn-ea"/>
+                <a:cs typeface="+mn-cs"/>
+              </a:defRPr>
+            </a:lvl8pPr>
+            <a:lvl9pPr marL="3886200" indent="-228600" algn="l" defTabSz="914400" rtl="0" eaLnBrk="1" latinLnBrk="0" hangingPunct="1">
+              <a:lnSpc>
+                <a:spcPct val="90000"/>
+              </a:lnSpc>
+              <a:spcBef>
+                <a:spcPts val="500"/>
+              </a:spcBef>
+              <a:buFont typeface="Arial" panose="020B0604020202020204" pitchFamily="34" charset="0"/>
+              <a:buChar char="•"/>
+              <a:defRPr sz="1800" kern="1200">
+                <a:solidFill>
+                  <a:schemeClr val="tx1"/>
+                </a:solidFill>
+                <a:latin typeface="+mn-lt"/>
+                <a:ea typeface="+mn-ea"/>
+                <a:cs typeface="+mn-cs"/>
+              </a:defRPr>
+            </a:lvl9pPr>
+          </a:lstStyle>
+          <a:p>
+            <a:r>
+              <a:rPr lang="en-US" altLang="zh-CN" sz="2000" dirty="0"/>
+              <a:t>Private</a:t>
+            </a:r>
+            <a:r>
+              <a:rPr lang="zh-CN" altLang="en-US" sz="2000" dirty="0"/>
+              <a:t>：</a:t>
+            </a:r>
+          </a:p>
+        </p:txBody>
+      </p:sp>
+      <p:sp>
+        <p:nvSpPr>
+          <p:cNvPr id="5" name="标题 1">
+            <a:extLst>
+              <a:ext uri="{FF2B5EF4-FFF2-40B4-BE49-F238E27FC236}">
+                <a16:creationId xmlns:a16="http://schemas.microsoft.com/office/drawing/2014/main" id="{9AD536E7-9CC2-4C74-874B-A1CDCFAA0113}"/>
+              </a:ext>
+            </a:extLst>
+          </p:cNvPr>
+          <p:cNvSpPr txBox="1">
+            <a:spLocks/>
+          </p:cNvSpPr>
+          <p:nvPr/>
+        </p:nvSpPr>
+        <p:spPr>
+          <a:xfrm>
+            <a:off x="419879" y="355794"/>
+            <a:ext cx="11551298" cy="969153"/>
+          </a:xfrm>
+          <a:prstGeom prst="rect">
+            <a:avLst/>
+          </a:prstGeom>
+        </p:spPr>
+        <p:txBody>
+          <a:bodyPr vert="horz" lIns="91440" tIns="45720" rIns="91440" bIns="45720" rtlCol="0" anchor="ctr">
+            <a:noAutofit/>
+          </a:bodyPr>
+          <a:lstStyle>
+            <a:lvl1pPr algn="l" defTabSz="914400" rtl="0" eaLnBrk="1" latinLnBrk="0" hangingPunct="1">
+              <a:lnSpc>
+                <a:spcPct val="90000"/>
+              </a:lnSpc>
+              <a:spcBef>
+                <a:spcPct val="0"/>
+              </a:spcBef>
+              <a:buNone/>
+              <a:defRPr sz="4400" kern="1200">
+                <a:solidFill>
+                  <a:schemeClr val="tx1"/>
+                </a:solidFill>
+                <a:latin typeface="+mj-lt"/>
+                <a:ea typeface="+mj-ea"/>
+                <a:cs typeface="+mj-cs"/>
+              </a:defRPr>
+            </a:lvl1pPr>
+          </a:lstStyle>
+          <a:p>
+            <a:r>
+              <a:rPr lang="en-US" altLang="zh-CN" sz="3200" dirty="0"/>
+              <a:t>class Ekf2 : public control::</a:t>
+            </a:r>
+            <a:r>
+              <a:rPr lang="en-US" altLang="zh-CN" sz="3200" dirty="0" err="1"/>
+              <a:t>SuperBlock</a:t>
+            </a:r>
+            <a:r>
+              <a:rPr lang="en-US" altLang="zh-CN" sz="3200" dirty="0"/>
+              <a:t>, public </a:t>
+            </a:r>
+            <a:r>
+              <a:rPr lang="en-US" altLang="zh-CN" sz="3200" dirty="0" err="1"/>
+              <a:t>ModuleBase</a:t>
+            </a:r>
+            <a:r>
+              <a:rPr lang="en-US" altLang="zh-CN" sz="3200" dirty="0"/>
+              <a:t>&lt;Ekf2&gt;</a:t>
+            </a:r>
+            <a:endParaRPr lang="zh-CN" altLang="en-US" sz="3200" dirty="0"/>
+          </a:p>
+        </p:txBody>
+      </p:sp>
+      <p:pic>
+        <p:nvPicPr>
+          <p:cNvPr id="6" name="图片 5">
+            <a:extLst>
+              <a:ext uri="{FF2B5EF4-FFF2-40B4-BE49-F238E27FC236}">
+                <a16:creationId xmlns:a16="http://schemas.microsoft.com/office/drawing/2014/main" id="{BD7B1AFE-C232-44B0-BAC0-5F7FC2319B51}"/>
+              </a:ext>
+            </a:extLst>
+          </p:cNvPr>
+          <p:cNvPicPr>
+            <a:picLocks noChangeAspect="1"/>
+          </p:cNvPicPr>
+          <p:nvPr/>
+        </p:nvPicPr>
+        <p:blipFill>
+          <a:blip r:embed="rId2"/>
+          <a:stretch>
+            <a:fillRect/>
+          </a:stretch>
+        </p:blipFill>
+        <p:spPr>
+          <a:xfrm>
+            <a:off x="2255952" y="1390262"/>
+            <a:ext cx="6149873" cy="2621507"/>
+          </a:xfrm>
+          <a:prstGeom prst="rect">
+            <a:avLst/>
+          </a:prstGeom>
+        </p:spPr>
+      </p:pic>
+      <p:pic>
+        <p:nvPicPr>
+          <p:cNvPr id="7" name="图片 6">
+            <a:extLst>
+              <a:ext uri="{FF2B5EF4-FFF2-40B4-BE49-F238E27FC236}">
+                <a16:creationId xmlns:a16="http://schemas.microsoft.com/office/drawing/2014/main" id="{922B323E-ED56-4A00-9878-A76AD2FFCC79}"/>
+              </a:ext>
+            </a:extLst>
+          </p:cNvPr>
+          <p:cNvPicPr>
+            <a:picLocks noChangeAspect="1"/>
+          </p:cNvPicPr>
+          <p:nvPr/>
+        </p:nvPicPr>
+        <p:blipFill>
+          <a:blip r:embed="rId3"/>
+          <a:stretch>
+            <a:fillRect/>
+          </a:stretch>
+        </p:blipFill>
+        <p:spPr>
+          <a:xfrm>
+            <a:off x="2255952" y="4329355"/>
+            <a:ext cx="7978831" cy="1303133"/>
+          </a:xfrm>
+          <a:prstGeom prst="rect">
+            <a:avLst/>
+          </a:prstGeom>
+        </p:spPr>
+      </p:pic>
+    </p:spTree>
+    <p:extLst>
+      <p:ext uri="{BB962C8B-B14F-4D97-AF65-F5344CB8AC3E}">
+        <p14:creationId xmlns:p14="http://schemas.microsoft.com/office/powerpoint/2010/main" val="2381923443"/>
+      </p:ext>
+    </p:extLst>
+  </p:cSld>
+  <p:clrMapOvr>
+    <a:masterClrMapping/>
+  </p:clrMapOvr>
+</p:sld>
+</file>
+
+<file path=ppt/slides/slide12.xml><?xml version="1.0" encoding="utf-8"?>
 <p:sld xmlns:a="http://schemas.openxmlformats.org/drawingml/2006/main" xmlns:r="http://schemas.openxmlformats.org/officeDocument/2006/relationships" xmlns:p="http://schemas.openxmlformats.org/presentationml/2006/main">
   <p:cSld>
     <p:spTree>
@@ -3842,7 +4686,7 @@
 </p:sld>
 </file>
 
-<file path=ppt/slides/slide11.xml><?xml version="1.0" encoding="utf-8"?>
+<file path=ppt/slides/slide13.xml><?xml version="1.0" encoding="utf-8"?>
 <p:sld xmlns:a="http://schemas.openxmlformats.org/drawingml/2006/main" xmlns:r="http://schemas.openxmlformats.org/officeDocument/2006/relationships" xmlns:p="http://schemas.openxmlformats.org/presentationml/2006/main">
   <p:cSld>
     <p:spTree>
@@ -4245,7 +5089,7 @@
 </p:sld>
 </file>
 
-<file path=ppt/slides/slide12.xml><?xml version="1.0" encoding="utf-8"?>
+<file path=ppt/slides/slide14.xml><?xml version="1.0" encoding="utf-8"?>
 <p:sld xmlns:a="http://schemas.openxmlformats.org/drawingml/2006/main" xmlns:r="http://schemas.openxmlformats.org/officeDocument/2006/relationships" xmlns:p="http://schemas.openxmlformats.org/presentationml/2006/main">
   <p:cSld>
     <p:spTree>
@@ -4656,7 +5500,7 @@
 </p:sld>
 </file>
 
-<file path=ppt/slides/slide13.xml><?xml version="1.0" encoding="utf-8"?>
+<file path=ppt/slides/slide15.xml><?xml version="1.0" encoding="utf-8"?>
 <p:sld xmlns:a="http://schemas.openxmlformats.org/drawingml/2006/main" xmlns:r="http://schemas.openxmlformats.org/officeDocument/2006/relationships" xmlns:p="http://schemas.openxmlformats.org/presentationml/2006/main">
   <p:cSld>
     <p:spTree>
@@ -5006,7 +5850,7 @@
 </p:sld>
 </file>
 
-<file path=ppt/slides/slide14.xml><?xml version="1.0" encoding="utf-8"?>
+<file path=ppt/slides/slide16.xml><?xml version="1.0" encoding="utf-8"?>
 <p:sld xmlns:a="http://schemas.openxmlformats.org/drawingml/2006/main" xmlns:r="http://schemas.openxmlformats.org/officeDocument/2006/relationships" xmlns:p="http://schemas.openxmlformats.org/presentationml/2006/main">
   <p:cSld>
     <p:spTree>
@@ -5432,7 +6276,7 @@
 </p:sld>
 </file>
 
-<file path=ppt/slides/slide15.xml><?xml version="1.0" encoding="utf-8"?>
+<file path=ppt/slides/slide17.xml><?xml version="1.0" encoding="utf-8"?>
 <p:sld xmlns:a="http://schemas.openxmlformats.org/drawingml/2006/main" xmlns:r="http://schemas.openxmlformats.org/officeDocument/2006/relationships" xmlns:p="http://schemas.openxmlformats.org/presentationml/2006/main">
   <p:cSld>
     <p:spTree>
@@ -5811,7 +6655,7 @@
 </p:sld>
 </file>
 
-<file path=ppt/slides/slide16.xml><?xml version="1.0" encoding="utf-8"?>
+<file path=ppt/slides/slide18.xml><?xml version="1.0" encoding="utf-8"?>
 <p:sld xmlns:a="http://schemas.openxmlformats.org/drawingml/2006/main" xmlns:r="http://schemas.openxmlformats.org/officeDocument/2006/relationships" xmlns:p="http://schemas.openxmlformats.org/presentationml/2006/main">
   <p:cSld>
     <p:spTree>
@@ -6146,7 +6990,731 @@
 </p:sld>
 </file>
 
+<file path=ppt/slides/slide19.xml><?xml version="1.0" encoding="utf-8"?>
+<p:sld xmlns:a="http://schemas.openxmlformats.org/drawingml/2006/main" xmlns:r="http://schemas.openxmlformats.org/officeDocument/2006/relationships" xmlns:p="http://schemas.openxmlformats.org/presentationml/2006/main">
+  <p:cSld>
+    <p:spTree>
+      <p:nvGrpSpPr>
+        <p:cNvPr id="1" name=""/>
+        <p:cNvGrpSpPr/>
+        <p:nvPr/>
+      </p:nvGrpSpPr>
+      <p:grpSpPr>
+        <a:xfrm>
+          <a:off x="0" y="0"/>
+          <a:ext cx="0" cy="0"/>
+          <a:chOff x="0" y="0"/>
+          <a:chExt cx="0" cy="0"/>
+        </a:xfrm>
+      </p:grpSpPr>
+      <p:sp>
+        <p:nvSpPr>
+          <p:cNvPr id="6" name="标题 1">
+            <a:extLst>
+              <a:ext uri="{FF2B5EF4-FFF2-40B4-BE49-F238E27FC236}">
+                <a16:creationId xmlns:a16="http://schemas.microsoft.com/office/drawing/2014/main" id="{B5E9EB08-B96B-4DB9-81DC-E9FD6E1B0444}"/>
+              </a:ext>
+            </a:extLst>
+          </p:cNvPr>
+          <p:cNvSpPr txBox="1">
+            <a:spLocks/>
+          </p:cNvSpPr>
+          <p:nvPr/>
+        </p:nvSpPr>
+        <p:spPr>
+          <a:xfrm>
+            <a:off x="1524000" y="1122363"/>
+            <a:ext cx="9144000" cy="2387600"/>
+          </a:xfrm>
+          <a:prstGeom prst="rect">
+            <a:avLst/>
+          </a:prstGeom>
+        </p:spPr>
+        <p:txBody>
+          <a:bodyPr vert="horz" lIns="91440" tIns="45720" rIns="91440" bIns="45720" rtlCol="0" anchor="ctr">
+            <a:normAutofit fontScale="92500" lnSpcReduction="10000"/>
+          </a:bodyPr>
+          <a:lstStyle>
+            <a:lvl1pPr algn="l" defTabSz="914400" rtl="0" eaLnBrk="1" latinLnBrk="0" hangingPunct="1">
+              <a:lnSpc>
+                <a:spcPct val="90000"/>
+              </a:lnSpc>
+              <a:spcBef>
+                <a:spcPct val="0"/>
+              </a:spcBef>
+              <a:buNone/>
+              <a:defRPr sz="4400" kern="1200">
+                <a:solidFill>
+                  <a:schemeClr val="tx1"/>
+                </a:solidFill>
+                <a:latin typeface="+mj-lt"/>
+                <a:ea typeface="+mj-ea"/>
+                <a:cs typeface="+mj-cs"/>
+              </a:defRPr>
+            </a:lvl1pPr>
+          </a:lstStyle>
+          <a:p>
+            <a:pPr algn="ctr"/>
+            <a:endParaRPr lang="en-US" altLang="zh-CN" dirty="0"/>
+          </a:p>
+          <a:p>
+            <a:pPr algn="ctr"/>
+            <a:endParaRPr lang="en-US" altLang="zh-CN" dirty="0"/>
+          </a:p>
+          <a:p>
+            <a:pPr algn="ctr"/>
+            <a:endParaRPr lang="en-US" altLang="zh-CN" dirty="0"/>
+          </a:p>
+          <a:p>
+            <a:pPr algn="ctr"/>
+            <a:r>
+              <a:rPr lang="en-US" altLang="zh-CN" sz="6500" dirty="0"/>
+              <a:t>EKF2_replay</a:t>
+            </a:r>
+            <a:endParaRPr lang="zh-CN" altLang="en-US" sz="6500" dirty="0"/>
+          </a:p>
+        </p:txBody>
+      </p:sp>
+      <p:sp>
+        <p:nvSpPr>
+          <p:cNvPr id="7" name="副标题 2">
+            <a:extLst>
+              <a:ext uri="{FF2B5EF4-FFF2-40B4-BE49-F238E27FC236}">
+                <a16:creationId xmlns:a16="http://schemas.microsoft.com/office/drawing/2014/main" id="{AB029B7E-0411-40A7-AF99-B7CDC50F878C}"/>
+              </a:ext>
+            </a:extLst>
+          </p:cNvPr>
+          <p:cNvSpPr txBox="1">
+            <a:spLocks/>
+          </p:cNvSpPr>
+          <p:nvPr/>
+        </p:nvSpPr>
+        <p:spPr>
+          <a:xfrm>
+            <a:off x="1524000" y="3602038"/>
+            <a:ext cx="9144000" cy="1655762"/>
+          </a:xfrm>
+          <a:prstGeom prst="rect">
+            <a:avLst/>
+          </a:prstGeom>
+        </p:spPr>
+        <p:txBody>
+          <a:bodyPr vert="horz" lIns="91440" tIns="45720" rIns="91440" bIns="45720" rtlCol="0">
+            <a:normAutofit/>
+          </a:bodyPr>
+          <a:lstStyle>
+            <a:lvl1pPr marL="228600" indent="-228600" algn="l" defTabSz="914400" rtl="0" eaLnBrk="1" latinLnBrk="0" hangingPunct="1">
+              <a:lnSpc>
+                <a:spcPct val="90000"/>
+              </a:lnSpc>
+              <a:spcBef>
+                <a:spcPts val="1000"/>
+              </a:spcBef>
+              <a:buFont typeface="Arial" panose="020B0604020202020204" pitchFamily="34" charset="0"/>
+              <a:buChar char="•"/>
+              <a:defRPr sz="2800" kern="1200">
+                <a:solidFill>
+                  <a:schemeClr val="tx1"/>
+                </a:solidFill>
+                <a:latin typeface="+mn-lt"/>
+                <a:ea typeface="+mn-ea"/>
+                <a:cs typeface="+mn-cs"/>
+              </a:defRPr>
+            </a:lvl1pPr>
+            <a:lvl2pPr marL="685800" indent="-228600" algn="l" defTabSz="914400" rtl="0" eaLnBrk="1" latinLnBrk="0" hangingPunct="1">
+              <a:lnSpc>
+                <a:spcPct val="90000"/>
+              </a:lnSpc>
+              <a:spcBef>
+                <a:spcPts val="500"/>
+              </a:spcBef>
+              <a:buFont typeface="Arial" panose="020B0604020202020204" pitchFamily="34" charset="0"/>
+              <a:buChar char="•"/>
+              <a:defRPr sz="2400" kern="1200">
+                <a:solidFill>
+                  <a:schemeClr val="tx1"/>
+                </a:solidFill>
+                <a:latin typeface="+mn-lt"/>
+                <a:ea typeface="+mn-ea"/>
+                <a:cs typeface="+mn-cs"/>
+              </a:defRPr>
+            </a:lvl2pPr>
+            <a:lvl3pPr marL="1143000" indent="-228600" algn="l" defTabSz="914400" rtl="0" eaLnBrk="1" latinLnBrk="0" hangingPunct="1">
+              <a:lnSpc>
+                <a:spcPct val="90000"/>
+              </a:lnSpc>
+              <a:spcBef>
+                <a:spcPts val="500"/>
+              </a:spcBef>
+              <a:buFont typeface="Arial" panose="020B0604020202020204" pitchFamily="34" charset="0"/>
+              <a:buChar char="•"/>
+              <a:defRPr sz="2000" kern="1200">
+                <a:solidFill>
+                  <a:schemeClr val="tx1"/>
+                </a:solidFill>
+                <a:latin typeface="+mn-lt"/>
+                <a:ea typeface="+mn-ea"/>
+                <a:cs typeface="+mn-cs"/>
+              </a:defRPr>
+            </a:lvl3pPr>
+            <a:lvl4pPr marL="1600200" indent="-228600" algn="l" defTabSz="914400" rtl="0" eaLnBrk="1" latinLnBrk="0" hangingPunct="1">
+              <a:lnSpc>
+                <a:spcPct val="90000"/>
+              </a:lnSpc>
+              <a:spcBef>
+                <a:spcPts val="500"/>
+              </a:spcBef>
+              <a:buFont typeface="Arial" panose="020B0604020202020204" pitchFamily="34" charset="0"/>
+              <a:buChar char="•"/>
+              <a:defRPr sz="1800" kern="1200">
+                <a:solidFill>
+                  <a:schemeClr val="tx1"/>
+                </a:solidFill>
+                <a:latin typeface="+mn-lt"/>
+                <a:ea typeface="+mn-ea"/>
+                <a:cs typeface="+mn-cs"/>
+              </a:defRPr>
+            </a:lvl4pPr>
+            <a:lvl5pPr marL="2057400" indent="-228600" algn="l" defTabSz="914400" rtl="0" eaLnBrk="1" latinLnBrk="0" hangingPunct="1">
+              <a:lnSpc>
+                <a:spcPct val="90000"/>
+              </a:lnSpc>
+              <a:spcBef>
+                <a:spcPts val="500"/>
+              </a:spcBef>
+              <a:buFont typeface="Arial" panose="020B0604020202020204" pitchFamily="34" charset="0"/>
+              <a:buChar char="•"/>
+              <a:defRPr sz="1800" kern="1200">
+                <a:solidFill>
+                  <a:schemeClr val="tx1"/>
+                </a:solidFill>
+                <a:latin typeface="+mn-lt"/>
+                <a:ea typeface="+mn-ea"/>
+                <a:cs typeface="+mn-cs"/>
+              </a:defRPr>
+            </a:lvl5pPr>
+            <a:lvl6pPr marL="2514600" indent="-228600" algn="l" defTabSz="914400" rtl="0" eaLnBrk="1" latinLnBrk="0" hangingPunct="1">
+              <a:lnSpc>
+                <a:spcPct val="90000"/>
+              </a:lnSpc>
+              <a:spcBef>
+                <a:spcPts val="500"/>
+              </a:spcBef>
+              <a:buFont typeface="Arial" panose="020B0604020202020204" pitchFamily="34" charset="0"/>
+              <a:buChar char="•"/>
+              <a:defRPr sz="1800" kern="1200">
+                <a:solidFill>
+                  <a:schemeClr val="tx1"/>
+                </a:solidFill>
+                <a:latin typeface="+mn-lt"/>
+                <a:ea typeface="+mn-ea"/>
+                <a:cs typeface="+mn-cs"/>
+              </a:defRPr>
+            </a:lvl6pPr>
+            <a:lvl7pPr marL="2971800" indent="-228600" algn="l" defTabSz="914400" rtl="0" eaLnBrk="1" latinLnBrk="0" hangingPunct="1">
+              <a:lnSpc>
+                <a:spcPct val="90000"/>
+              </a:lnSpc>
+              <a:spcBef>
+                <a:spcPts val="500"/>
+              </a:spcBef>
+              <a:buFont typeface="Arial" panose="020B0604020202020204" pitchFamily="34" charset="0"/>
+              <a:buChar char="•"/>
+              <a:defRPr sz="1800" kern="1200">
+                <a:solidFill>
+                  <a:schemeClr val="tx1"/>
+                </a:solidFill>
+                <a:latin typeface="+mn-lt"/>
+                <a:ea typeface="+mn-ea"/>
+                <a:cs typeface="+mn-cs"/>
+              </a:defRPr>
+            </a:lvl7pPr>
+            <a:lvl8pPr marL="3429000" indent="-228600" algn="l" defTabSz="914400" rtl="0" eaLnBrk="1" latinLnBrk="0" hangingPunct="1">
+              <a:lnSpc>
+                <a:spcPct val="90000"/>
+              </a:lnSpc>
+              <a:spcBef>
+                <a:spcPts val="500"/>
+              </a:spcBef>
+              <a:buFont typeface="Arial" panose="020B0604020202020204" pitchFamily="34" charset="0"/>
+              <a:buChar char="•"/>
+              <a:defRPr sz="1800" kern="1200">
+                <a:solidFill>
+                  <a:schemeClr val="tx1"/>
+                </a:solidFill>
+                <a:latin typeface="+mn-lt"/>
+                <a:ea typeface="+mn-ea"/>
+                <a:cs typeface="+mn-cs"/>
+              </a:defRPr>
+            </a:lvl8pPr>
+            <a:lvl9pPr marL="3886200" indent="-228600" algn="l" defTabSz="914400" rtl="0" eaLnBrk="1" latinLnBrk="0" hangingPunct="1">
+              <a:lnSpc>
+                <a:spcPct val="90000"/>
+              </a:lnSpc>
+              <a:spcBef>
+                <a:spcPts val="500"/>
+              </a:spcBef>
+              <a:buFont typeface="Arial" panose="020B0604020202020204" pitchFamily="34" charset="0"/>
+              <a:buChar char="•"/>
+              <a:defRPr sz="1800" kern="1200">
+                <a:solidFill>
+                  <a:schemeClr val="tx1"/>
+                </a:solidFill>
+                <a:latin typeface="+mn-lt"/>
+                <a:ea typeface="+mn-ea"/>
+                <a:cs typeface="+mn-cs"/>
+              </a:defRPr>
+            </a:lvl9pPr>
+          </a:lstStyle>
+          <a:p>
+            <a:r>
+              <a:rPr lang="en-US" altLang="zh-CN" dirty="0"/>
+              <a:t>ekf2</a:t>
+            </a:r>
+            <a:r>
+              <a:rPr lang="zh-CN" altLang="en-US" dirty="0"/>
+              <a:t>的回放模块。该模块从</a:t>
+            </a:r>
+            <a:r>
+              <a:rPr lang="en-US" altLang="zh-CN" dirty="0"/>
+              <a:t>px4</a:t>
+            </a:r>
+            <a:r>
+              <a:rPr lang="zh-CN" altLang="en-US" dirty="0"/>
+              <a:t>日志文件读取</a:t>
+            </a:r>
+            <a:r>
+              <a:rPr lang="en-US" altLang="zh-CN" dirty="0"/>
+              <a:t>ekf2</a:t>
+            </a:r>
+            <a:r>
+              <a:rPr lang="zh-CN" altLang="en-US" dirty="0"/>
+              <a:t>回放消息。它使用此数据为</a:t>
+            </a:r>
+            <a:r>
+              <a:rPr lang="en-US" altLang="zh-CN" dirty="0"/>
+              <a:t>ekf2</a:t>
+            </a:r>
+            <a:r>
+              <a:rPr lang="zh-CN" altLang="en-US" dirty="0"/>
+              <a:t>模块创建传感器数据。它也查看了估计器的输出数据并将其写入回放日志文件。</a:t>
+            </a:r>
+          </a:p>
+        </p:txBody>
+      </p:sp>
+    </p:spTree>
+    <p:extLst>
+      <p:ext uri="{BB962C8B-B14F-4D97-AF65-F5344CB8AC3E}">
+        <p14:creationId xmlns:p14="http://schemas.microsoft.com/office/powerpoint/2010/main" val="2002368528"/>
+      </p:ext>
+    </p:extLst>
+  </p:cSld>
+  <p:clrMapOvr>
+    <a:masterClrMapping/>
+  </p:clrMapOvr>
+</p:sld>
+</file>
+
 <file path=ppt/slides/slide2.xml><?xml version="1.0" encoding="utf-8"?>
+<p:sld xmlns:a="http://schemas.openxmlformats.org/drawingml/2006/main" xmlns:r="http://schemas.openxmlformats.org/officeDocument/2006/relationships" xmlns:p="http://schemas.openxmlformats.org/presentationml/2006/main">
+  <p:cSld>
+    <p:spTree>
+      <p:nvGrpSpPr>
+        <p:cNvPr id="1" name=""/>
+        <p:cNvGrpSpPr/>
+        <p:nvPr/>
+      </p:nvGrpSpPr>
+      <p:grpSpPr>
+        <a:xfrm>
+          <a:off x="0" y="0"/>
+          <a:ext cx="0" cy="0"/>
+          <a:chOff x="0" y="0"/>
+          <a:chExt cx="0" cy="0"/>
+        </a:xfrm>
+      </p:grpSpPr>
+      <p:sp>
+        <p:nvSpPr>
+          <p:cNvPr id="2" name="标题 1">
+            <a:extLst>
+              <a:ext uri="{FF2B5EF4-FFF2-40B4-BE49-F238E27FC236}">
+                <a16:creationId xmlns:a16="http://schemas.microsoft.com/office/drawing/2014/main" id="{5C3D16F9-9F74-447C-AE1A-A027ABA7E610}"/>
+              </a:ext>
+            </a:extLst>
+          </p:cNvPr>
+          <p:cNvSpPr>
+            <a:spLocks noGrp="1"/>
+          </p:cNvSpPr>
+          <p:nvPr>
+            <p:ph type="title"/>
+          </p:nvPr>
+        </p:nvSpPr>
+        <p:spPr/>
+        <p:txBody>
+          <a:bodyPr/>
+          <a:lstStyle/>
+          <a:p>
+            <a:endParaRPr lang="zh-CN" altLang="en-US"/>
+          </a:p>
+        </p:txBody>
+      </p:sp>
+      <p:pic>
+        <p:nvPicPr>
+          <p:cNvPr id="5" name="内容占位符 4">
+            <a:extLst>
+              <a:ext uri="{FF2B5EF4-FFF2-40B4-BE49-F238E27FC236}">
+                <a16:creationId xmlns:a16="http://schemas.microsoft.com/office/drawing/2014/main" id="{C32ECE43-D096-4EE4-A94C-082FC37D0059}"/>
+              </a:ext>
+            </a:extLst>
+          </p:cNvPr>
+          <p:cNvPicPr>
+            <a:picLocks noGrp="1" noChangeAspect="1"/>
+          </p:cNvPicPr>
+          <p:nvPr>
+            <p:ph idx="1"/>
+          </p:nvPr>
+        </p:nvPicPr>
+        <p:blipFill>
+          <a:blip r:embed="rId2">
+            <a:extLst>
+              <a:ext uri="{28A0092B-C50C-407E-A947-70E740481C1C}">
+                <a14:useLocalDpi xmlns:a14="http://schemas.microsoft.com/office/drawing/2010/main" val="0"/>
+              </a:ext>
+            </a:extLst>
+          </a:blip>
+          <a:stretch>
+            <a:fillRect/>
+          </a:stretch>
+        </p:blipFill>
+        <p:spPr>
+          <a:xfrm>
+            <a:off x="838200" y="0"/>
+            <a:ext cx="9839173" cy="7084574"/>
+          </a:xfrm>
+        </p:spPr>
+      </p:pic>
+    </p:spTree>
+    <p:extLst>
+      <p:ext uri="{BB962C8B-B14F-4D97-AF65-F5344CB8AC3E}">
+        <p14:creationId xmlns:p14="http://schemas.microsoft.com/office/powerpoint/2010/main" val="4096425396"/>
+      </p:ext>
+    </p:extLst>
+  </p:cSld>
+  <p:clrMapOvr>
+    <a:masterClrMapping/>
+  </p:clrMapOvr>
+</p:sld>
+</file>
+
+<file path=ppt/slides/slide20.xml><?xml version="1.0" encoding="utf-8"?>
+<p:sld xmlns:a="http://schemas.openxmlformats.org/drawingml/2006/main" xmlns:r="http://schemas.openxmlformats.org/officeDocument/2006/relationships" xmlns:p="http://schemas.openxmlformats.org/presentationml/2006/main">
+  <p:cSld>
+    <p:spTree>
+      <p:nvGrpSpPr>
+        <p:cNvPr id="1" name=""/>
+        <p:cNvGrpSpPr/>
+        <p:nvPr/>
+      </p:nvGrpSpPr>
+      <p:grpSpPr>
+        <a:xfrm>
+          <a:off x="0" y="0"/>
+          <a:ext cx="0" cy="0"/>
+          <a:chOff x="0" y="0"/>
+          <a:chExt cx="0" cy="0"/>
+        </a:xfrm>
+      </p:grpSpPr>
+      <p:sp>
+        <p:nvSpPr>
+          <p:cNvPr id="2" name="标题 1">
+            <a:extLst>
+              <a:ext uri="{FF2B5EF4-FFF2-40B4-BE49-F238E27FC236}">
+                <a16:creationId xmlns:a16="http://schemas.microsoft.com/office/drawing/2014/main" id="{A45F8CCA-1185-4FFE-BB7B-7CF5966D5E8F}"/>
+              </a:ext>
+            </a:extLst>
+          </p:cNvPr>
+          <p:cNvSpPr>
+            <a:spLocks noGrp="1"/>
+          </p:cNvSpPr>
+          <p:nvPr>
+            <p:ph type="title"/>
+          </p:nvPr>
+        </p:nvSpPr>
+        <p:spPr/>
+        <p:txBody>
+          <a:bodyPr/>
+          <a:lstStyle/>
+          <a:p>
+            <a:r>
+              <a:rPr lang="zh-CN" altLang="en-US" dirty="0"/>
+              <a:t>函数：</a:t>
+            </a:r>
+          </a:p>
+        </p:txBody>
+      </p:sp>
+      <p:sp>
+        <p:nvSpPr>
+          <p:cNvPr id="3" name="内容占位符 2">
+            <a:extLst>
+              <a:ext uri="{FF2B5EF4-FFF2-40B4-BE49-F238E27FC236}">
+                <a16:creationId xmlns:a16="http://schemas.microsoft.com/office/drawing/2014/main" id="{6D1E8741-C701-4A85-B7A1-81A15ACB07CF}"/>
+              </a:ext>
+            </a:extLst>
+          </p:cNvPr>
+          <p:cNvSpPr>
+            <a:spLocks noGrp="1"/>
+          </p:cNvSpPr>
+          <p:nvPr>
+            <p:ph idx="1"/>
+          </p:nvPr>
+        </p:nvSpPr>
+        <p:spPr/>
+        <p:txBody>
+          <a:bodyPr/>
+          <a:lstStyle/>
+          <a:p>
+            <a:r>
+              <a:rPr lang="zh-CN" altLang="en-US" dirty="0"/>
+              <a:t>从缓冲区解析回放信息</a:t>
+            </a:r>
+            <a:endParaRPr lang="en-US" altLang="zh-CN" dirty="0"/>
+          </a:p>
+          <a:p>
+            <a:r>
+              <a:rPr lang="zh-CN" altLang="en-US" dirty="0"/>
+              <a:t>将回放数据从日志复制到主题结构中</a:t>
+            </a:r>
+            <a:endParaRPr lang="en-US" altLang="zh-CN" dirty="0"/>
+          </a:p>
+          <a:p>
+            <a:r>
+              <a:rPr lang="zh-CN" altLang="en-US" dirty="0"/>
+              <a:t>发布估计器的输入数据</a:t>
+            </a:r>
+            <a:endParaRPr lang="en-US" altLang="zh-CN" dirty="0"/>
+          </a:p>
+          <a:p>
+            <a:r>
+              <a:rPr lang="zh-CN" altLang="en-US" dirty="0"/>
+              <a:t>向日志文件写入信息</a:t>
+            </a:r>
+            <a:endParaRPr lang="en-US" altLang="zh-CN" dirty="0"/>
+          </a:p>
+          <a:p>
+            <a:r>
+              <a:rPr lang="zh-CN" altLang="en-US" dirty="0"/>
+              <a:t>确定是否为回放日志写入特定消息（特定 </a:t>
+            </a:r>
+            <a:r>
+              <a:rPr lang="en-US" altLang="zh-CN" dirty="0"/>
+              <a:t>?o?</a:t>
+            </a:r>
+            <a:r>
+              <a:rPr lang="zh-CN" altLang="en-US" dirty="0"/>
+              <a:t>）</a:t>
+            </a:r>
+            <a:endParaRPr lang="en-US" altLang="zh-CN" dirty="0"/>
+          </a:p>
+          <a:p>
+            <a:r>
+              <a:rPr lang="zh-CN" altLang="en-US" dirty="0"/>
+              <a:t>获取估计器输出消息并写入回放日志</a:t>
+            </a:r>
+            <a:endParaRPr lang="en-US" altLang="zh-CN" dirty="0"/>
+          </a:p>
+          <a:p>
+            <a:r>
+              <a:rPr lang="zh-CN" altLang="en-US" dirty="0"/>
+              <a:t>发布估计器的输入数据，然后它将等待来自估计器的输出数据</a:t>
+            </a:r>
+            <a:endParaRPr lang="en-US" altLang="zh-CN" dirty="0"/>
+          </a:p>
+        </p:txBody>
+      </p:sp>
+    </p:spTree>
+    <p:extLst>
+      <p:ext uri="{BB962C8B-B14F-4D97-AF65-F5344CB8AC3E}">
+        <p14:creationId xmlns:p14="http://schemas.microsoft.com/office/powerpoint/2010/main" val="1499045052"/>
+      </p:ext>
+    </p:extLst>
+  </p:cSld>
+  <p:clrMapOvr>
+    <a:masterClrMapping/>
+  </p:clrMapOvr>
+</p:sld>
+</file>
+
+<file path=ppt/slides/slide21.xml><?xml version="1.0" encoding="utf-8"?>
+<p:sld xmlns:a="http://schemas.openxmlformats.org/drawingml/2006/main" xmlns:r="http://schemas.openxmlformats.org/officeDocument/2006/relationships" xmlns:p="http://schemas.openxmlformats.org/presentationml/2006/main">
+  <p:cSld>
+    <p:spTree>
+      <p:nvGrpSpPr>
+        <p:cNvPr id="1" name=""/>
+        <p:cNvGrpSpPr/>
+        <p:nvPr/>
+      </p:nvGrpSpPr>
+      <p:grpSpPr>
+        <a:xfrm>
+          <a:off x="0" y="0"/>
+          <a:ext cx="0" cy="0"/>
+          <a:chOff x="0" y="0"/>
+          <a:chExt cx="0" cy="0"/>
+        </a:xfrm>
+      </p:grpSpPr>
+      <p:sp>
+        <p:nvSpPr>
+          <p:cNvPr id="2" name="标题 1">
+            <a:extLst>
+              <a:ext uri="{FF2B5EF4-FFF2-40B4-BE49-F238E27FC236}">
+                <a16:creationId xmlns:a16="http://schemas.microsoft.com/office/drawing/2014/main" id="{A45F8CCA-1185-4FFE-BB7B-7CF5966D5E8F}"/>
+              </a:ext>
+            </a:extLst>
+          </p:cNvPr>
+          <p:cNvSpPr>
+            <a:spLocks noGrp="1"/>
+          </p:cNvSpPr>
+          <p:nvPr>
+            <p:ph type="title"/>
+          </p:nvPr>
+        </p:nvSpPr>
+        <p:spPr/>
+        <p:txBody>
+          <a:bodyPr/>
+          <a:lstStyle/>
+          <a:p>
+            <a:r>
+              <a:rPr lang="zh-CN" altLang="en-US" dirty="0"/>
+              <a:t>流程（ </a:t>
+            </a:r>
+            <a:r>
+              <a:rPr lang="en-US" altLang="zh-CN" dirty="0" err="1"/>
+              <a:t>task_main</a:t>
+            </a:r>
+            <a:r>
+              <a:rPr lang="en-US" altLang="zh-CN" dirty="0"/>
+              <a:t>() </a:t>
+            </a:r>
+            <a:r>
+              <a:rPr lang="zh-CN" altLang="en-US" dirty="0"/>
+              <a:t>）：</a:t>
+            </a:r>
+          </a:p>
+        </p:txBody>
+      </p:sp>
+      <p:sp>
+        <p:nvSpPr>
+          <p:cNvPr id="3" name="内容占位符 2">
+            <a:extLst>
+              <a:ext uri="{FF2B5EF4-FFF2-40B4-BE49-F238E27FC236}">
+                <a16:creationId xmlns:a16="http://schemas.microsoft.com/office/drawing/2014/main" id="{6D1E8741-C701-4A85-B7A1-81A15ACB07CF}"/>
+              </a:ext>
+            </a:extLst>
+          </p:cNvPr>
+          <p:cNvSpPr>
+            <a:spLocks noGrp="1"/>
+          </p:cNvSpPr>
+          <p:nvPr>
+            <p:ph idx="1"/>
+          </p:nvPr>
+        </p:nvSpPr>
+        <p:spPr/>
+        <p:txBody>
+          <a:bodyPr/>
+          <a:lstStyle/>
+          <a:p>
+            <a:r>
+              <a:rPr lang="zh-CN" altLang="en-US" dirty="0"/>
+              <a:t>向日志文件中写入信息（</a:t>
+            </a:r>
+            <a:r>
+              <a:rPr lang="en-US" altLang="zh-CN" dirty="0"/>
+              <a:t>header</a:t>
+            </a:r>
+            <a:r>
+              <a:rPr lang="zh-CN" altLang="en-US" dirty="0"/>
+              <a:t>？）</a:t>
+            </a:r>
+            <a:endParaRPr lang="en-US" altLang="zh-CN" dirty="0"/>
+          </a:p>
+          <a:p>
+            <a:r>
+              <a:rPr lang="zh-CN" altLang="en-US" dirty="0"/>
+              <a:t>对不同的信息（格式</a:t>
+            </a:r>
+            <a:r>
+              <a:rPr lang="en-US" altLang="zh-CN" dirty="0"/>
+              <a:t>/</a:t>
+            </a:r>
+            <a:r>
+              <a:rPr lang="zh-CN" altLang="en-US" dirty="0"/>
+              <a:t>参数</a:t>
+            </a:r>
+            <a:r>
+              <a:rPr lang="en-US" altLang="zh-CN" dirty="0"/>
+              <a:t>/</a:t>
+            </a:r>
+            <a:r>
+              <a:rPr lang="zh-CN" altLang="en-US" dirty="0"/>
+              <a:t>版本</a:t>
+            </a:r>
+            <a:r>
+              <a:rPr lang="en-US" altLang="zh-CN" dirty="0"/>
+              <a:t>/</a:t>
+            </a:r>
+            <a:r>
+              <a:rPr lang="zh-CN" altLang="en-US" dirty="0"/>
+              <a:t>时间</a:t>
+            </a:r>
+            <a:r>
+              <a:rPr lang="en-US" altLang="zh-CN" dirty="0"/>
+              <a:t>/</a:t>
+            </a:r>
+            <a:r>
+              <a:rPr lang="zh-CN" altLang="en-US" dirty="0"/>
+              <a:t>其他）进行操作（写入日志文件中）</a:t>
+            </a:r>
+            <a:endParaRPr lang="en-US" altLang="zh-CN" dirty="0"/>
+          </a:p>
+          <a:p>
+            <a:endParaRPr lang="en-US" altLang="zh-CN" dirty="0"/>
+          </a:p>
+          <a:p>
+            <a:r>
+              <a:rPr lang="zh-CN" altLang="en-US" dirty="0"/>
+              <a:t>注：若是其他信息</a:t>
+            </a:r>
+            <a:r>
+              <a:rPr lang="en-US" altLang="zh-CN" dirty="0"/>
+              <a:t>——</a:t>
+            </a:r>
+          </a:p>
+          <a:p>
+            <a:r>
+              <a:rPr lang="zh-CN" altLang="en-US" dirty="0"/>
+              <a:t>设置估计器输入数据</a:t>
+            </a:r>
+            <a:endParaRPr lang="en-US" altLang="zh-CN" dirty="0"/>
+          </a:p>
+          <a:p>
+            <a:r>
+              <a:rPr lang="zh-CN" altLang="en-US" dirty="0"/>
+              <a:t>发布其输入数据、等待输出数据</a:t>
+            </a:r>
+          </a:p>
+        </p:txBody>
+      </p:sp>
+    </p:spTree>
+    <p:extLst>
+      <p:ext uri="{BB962C8B-B14F-4D97-AF65-F5344CB8AC3E}">
+        <p14:creationId xmlns:p14="http://schemas.microsoft.com/office/powerpoint/2010/main" val="1925687849"/>
+      </p:ext>
+    </p:extLst>
+  </p:cSld>
+  <p:clrMapOvr>
+    <a:masterClrMapping/>
+  </p:clrMapOvr>
+</p:sld>
+</file>
+
+<file path=ppt/slides/slide3.xml><?xml version="1.0" encoding="utf-8"?>
 <p:sld xmlns:a="http://schemas.openxmlformats.org/drawingml/2006/main" xmlns:r="http://schemas.openxmlformats.org/officeDocument/2006/relationships" xmlns:p="http://schemas.openxmlformats.org/presentationml/2006/main">
   <p:cSld>
     <p:spTree>
@@ -6233,7 +7801,7 @@
 </p:sld>
 </file>
 
-<file path=ppt/slides/slide3.xml><?xml version="1.0" encoding="utf-8"?>
+<file path=ppt/slides/slide4.xml><?xml version="1.0" encoding="utf-8"?>
 <p:sld xmlns:a="http://schemas.openxmlformats.org/drawingml/2006/main" xmlns:r="http://schemas.openxmlformats.org/officeDocument/2006/relationships" xmlns:p="http://schemas.openxmlformats.org/presentationml/2006/main">
   <p:cSld>
     <p:spTree>
@@ -6320,7 +7888,7 @@
 </p:sld>
 </file>
 
-<file path=ppt/slides/slide4.xml><?xml version="1.0" encoding="utf-8"?>
+<file path=ppt/slides/slide5.xml><?xml version="1.0" encoding="utf-8"?>
 <p:sld xmlns:a="http://schemas.openxmlformats.org/drawingml/2006/main" xmlns:r="http://schemas.openxmlformats.org/officeDocument/2006/relationships" xmlns:p="http://schemas.openxmlformats.org/presentationml/2006/main">
   <p:cSld>
     <p:spTree>
@@ -6407,7 +7975,7 @@
 </p:sld>
 </file>
 
-<file path=ppt/slides/slide5.xml><?xml version="1.0" encoding="utf-8"?>
+<file path=ppt/slides/slide6.xml><?xml version="1.0" encoding="utf-8"?>
 <p:sld xmlns:a="http://schemas.openxmlformats.org/drawingml/2006/main" xmlns:r="http://schemas.openxmlformats.org/officeDocument/2006/relationships" xmlns:p="http://schemas.openxmlformats.org/presentationml/2006/main">
   <p:cSld>
     <p:spTree>
@@ -6494,7 +8062,7 @@
 </p:sld>
 </file>
 
-<file path=ppt/slides/slide6.xml><?xml version="1.0" encoding="utf-8"?>
+<file path=ppt/slides/slide7.xml><?xml version="1.0" encoding="utf-8"?>
 <p:sld xmlns:a="http://schemas.openxmlformats.org/drawingml/2006/main" xmlns:r="http://schemas.openxmlformats.org/officeDocument/2006/relationships" xmlns:p="http://schemas.openxmlformats.org/presentationml/2006/main">
   <p:cSld>
     <p:spTree>
@@ -6581,159 +8149,6 @@
 </p:sld>
 </file>
 
-<file path=ppt/slides/slide7.xml><?xml version="1.0" encoding="utf-8"?>
-<p:sld xmlns:a="http://schemas.openxmlformats.org/drawingml/2006/main" xmlns:r="http://schemas.openxmlformats.org/officeDocument/2006/relationships" xmlns:p="http://schemas.openxmlformats.org/presentationml/2006/main">
-  <p:cSld>
-    <p:spTree>
-      <p:nvGrpSpPr>
-        <p:cNvPr id="1" name=""/>
-        <p:cNvGrpSpPr/>
-        <p:nvPr/>
-      </p:nvGrpSpPr>
-      <p:grpSpPr>
-        <a:xfrm>
-          <a:off x="0" y="0"/>
-          <a:ext cx="0" cy="0"/>
-          <a:chOff x="0" y="0"/>
-          <a:chExt cx="0" cy="0"/>
-        </a:xfrm>
-      </p:grpSpPr>
-      <p:sp>
-        <p:nvSpPr>
-          <p:cNvPr id="2" name="标题 1">
-            <a:extLst>
-              <a:ext uri="{FF2B5EF4-FFF2-40B4-BE49-F238E27FC236}">
-                <a16:creationId xmlns:a16="http://schemas.microsoft.com/office/drawing/2014/main" id="{8F86B1ED-ABF7-4FD5-A3EE-FF46F2DBBFC1}"/>
-              </a:ext>
-            </a:extLst>
-          </p:cNvPr>
-          <p:cNvSpPr>
-            <a:spLocks noGrp="1"/>
-          </p:cNvSpPr>
-          <p:nvPr>
-            <p:ph type="title"/>
-          </p:nvPr>
-        </p:nvSpPr>
-        <p:spPr>
-          <a:xfrm>
-            <a:off x="419879" y="365125"/>
-            <a:ext cx="11551298" cy="969153"/>
-          </a:xfrm>
-        </p:spPr>
-        <p:txBody>
-          <a:bodyPr>
-            <a:noAutofit/>
-          </a:bodyPr>
-          <a:lstStyle/>
-          <a:p>
-            <a:r>
-              <a:rPr lang="en-US" altLang="zh-CN" sz="3200" dirty="0"/>
-              <a:t>class Ekf2 : public control::</a:t>
-            </a:r>
-            <a:r>
-              <a:rPr lang="en-US" altLang="zh-CN" sz="3200" dirty="0" err="1"/>
-              <a:t>SuperBlock</a:t>
-            </a:r>
-            <a:r>
-              <a:rPr lang="en-US" altLang="zh-CN" sz="3200" dirty="0"/>
-              <a:t>, public </a:t>
-            </a:r>
-            <a:r>
-              <a:rPr lang="en-US" altLang="zh-CN" sz="3200" dirty="0" err="1"/>
-              <a:t>ModuleBase</a:t>
-            </a:r>
-            <a:r>
-              <a:rPr lang="en-US" altLang="zh-CN" sz="3200" dirty="0"/>
-              <a:t>&lt;Ekf2&gt;</a:t>
-            </a:r>
-            <a:endParaRPr lang="zh-CN" altLang="en-US" sz="3200" dirty="0"/>
-          </a:p>
-        </p:txBody>
-      </p:sp>
-      <p:sp>
-        <p:nvSpPr>
-          <p:cNvPr id="3" name="内容占位符 2">
-            <a:extLst>
-              <a:ext uri="{FF2B5EF4-FFF2-40B4-BE49-F238E27FC236}">
-                <a16:creationId xmlns:a16="http://schemas.microsoft.com/office/drawing/2014/main" id="{2C410E6A-FC94-4803-B4F9-2F13490AE619}"/>
-              </a:ext>
-            </a:extLst>
-          </p:cNvPr>
-          <p:cNvSpPr>
-            <a:spLocks noGrp="1"/>
-          </p:cNvSpPr>
-          <p:nvPr>
-            <p:ph idx="1"/>
-          </p:nvPr>
-        </p:nvSpPr>
-        <p:spPr>
-          <a:xfrm>
-            <a:off x="838200" y="1334278"/>
-            <a:ext cx="4083996" cy="4842685"/>
-          </a:xfrm>
-        </p:spPr>
-        <p:txBody>
-          <a:bodyPr/>
-          <a:lstStyle/>
-          <a:p>
-            <a:r>
-              <a:rPr lang="en-US" altLang="zh-CN" sz="2000" dirty="0"/>
-              <a:t>Public</a:t>
-            </a:r>
-            <a:r>
-              <a:rPr lang="zh-CN" altLang="en-US" sz="2000" dirty="0"/>
-              <a:t>：</a:t>
-            </a:r>
-            <a:endParaRPr lang="en-US" altLang="zh-CN" sz="2000" dirty="0"/>
-          </a:p>
-          <a:p>
-            <a:endParaRPr lang="zh-CN" altLang="en-US" dirty="0"/>
-          </a:p>
-        </p:txBody>
-      </p:sp>
-      <p:pic>
-        <p:nvPicPr>
-          <p:cNvPr id="7" name="图片 6">
-            <a:extLst>
-              <a:ext uri="{FF2B5EF4-FFF2-40B4-BE49-F238E27FC236}">
-                <a16:creationId xmlns:a16="http://schemas.microsoft.com/office/drawing/2014/main" id="{19E6EA36-D122-4240-B63C-535935196A29}"/>
-              </a:ext>
-            </a:extLst>
-          </p:cNvPr>
-          <p:cNvPicPr>
-            <a:picLocks noChangeAspect="1"/>
-          </p:cNvPicPr>
-          <p:nvPr/>
-        </p:nvPicPr>
-        <p:blipFill>
-          <a:blip r:embed="rId2"/>
-          <a:stretch>
-            <a:fillRect/>
-          </a:stretch>
-        </p:blipFill>
-        <p:spPr>
-          <a:xfrm>
-            <a:off x="2639008" y="1334278"/>
-            <a:ext cx="5431972" cy="5213444"/>
-          </a:xfrm>
-          <a:prstGeom prst="rect">
-            <a:avLst/>
-          </a:prstGeom>
-        </p:spPr>
-      </p:pic>
-    </p:spTree>
-    <p:extLst>
-      <p:ext uri="{BB962C8B-B14F-4D97-AF65-F5344CB8AC3E}">
-        <p14:creationId xmlns:p14="http://schemas.microsoft.com/office/powerpoint/2010/main" val="2119457226"/>
-      </p:ext>
-    </p:extLst>
-  </p:cSld>
-  <p:clrMapOvr>
-    <a:masterClrMapping/>
-  </p:clrMapOvr>
-</p:sld>
-</file>
-
 <file path=ppt/slides/slide8.xml><?xml version="1.0" encoding="utf-8"?>
 <p:sld xmlns:a="http://schemas.openxmlformats.org/drawingml/2006/main" xmlns:r="http://schemas.openxmlformats.org/officeDocument/2006/relationships" xmlns:p="http://schemas.openxmlformats.org/presentationml/2006/main">
   <p:cSld>
@@ -6753,10 +8168,51 @@
       </p:grpSpPr>
       <p:sp>
         <p:nvSpPr>
+          <p:cNvPr id="2" name="标题 1">
+            <a:extLst>
+              <a:ext uri="{FF2B5EF4-FFF2-40B4-BE49-F238E27FC236}">
+                <a16:creationId xmlns:a16="http://schemas.microsoft.com/office/drawing/2014/main" id="{3E54997C-2D60-431D-87D1-4ABF9ECDDA10}"/>
+              </a:ext>
+            </a:extLst>
+          </p:cNvPr>
+          <p:cNvSpPr>
+            <a:spLocks noGrp="1"/>
+          </p:cNvSpPr>
+          <p:nvPr>
+            <p:ph type="title"/>
+          </p:nvPr>
+        </p:nvSpPr>
+        <p:spPr/>
+        <p:txBody>
+          <a:bodyPr/>
+          <a:lstStyle/>
+          <a:p>
+            <a:r>
+              <a:rPr lang="zh-CN" altLang="en-US" dirty="0"/>
+              <a:t>关于</a:t>
+            </a:r>
+            <a:r>
+              <a:rPr lang="en-US" altLang="zh-CN" dirty="0"/>
+              <a:t>ORB</a:t>
+            </a:r>
+            <a:r>
+              <a:rPr lang="zh-CN" altLang="en-US" dirty="0"/>
+              <a:t>及其函数的一些介绍</a:t>
+            </a:r>
+            <a:r>
+              <a:rPr lang="en-US" altLang="zh-CN" dirty="0"/>
+              <a:t>..</a:t>
+            </a:r>
+            <a:endParaRPr lang="zh-CN" altLang="en-US" dirty="0"/>
+          </a:p>
+        </p:txBody>
+      </p:sp>
+      <p:sp>
+        <p:nvSpPr>
           <p:cNvPr id="3" name="内容占位符 2">
             <a:extLst>
               <a:ext uri="{FF2B5EF4-FFF2-40B4-BE49-F238E27FC236}">
-                <a16:creationId xmlns:a16="http://schemas.microsoft.com/office/drawing/2014/main" id="{0B781130-9EEE-4415-BC67-7E2047FCBDEA}"/>
+                <a16:creationId xmlns:a16="http://schemas.microsoft.com/office/drawing/2014/main" id="{B9F5E662-E604-4746-ACFC-18AA5B1FB88B}"/>
               </a:ext>
             </a:extLst>
           </p:cNvPr>
@@ -6767,434 +8223,32 @@
             <p:ph idx="1"/>
           </p:nvPr>
         </p:nvSpPr>
-        <p:spPr>
-          <a:xfrm>
-            <a:off x="937728" y="1334278"/>
-            <a:ext cx="10515600" cy="4351338"/>
-          </a:xfrm>
-        </p:spPr>
-        <p:txBody>
-          <a:bodyPr>
-            <a:normAutofit/>
-          </a:bodyPr>
+        <p:spPr/>
+        <p:txBody>
+          <a:bodyPr/>
           <a:lstStyle/>
           <a:p>
-            <a:r>
-              <a:rPr lang="en-US" altLang="zh-CN" sz="2000" dirty="0"/>
-              <a:t>Private</a:t>
-            </a:r>
-            <a:r>
-              <a:rPr lang="zh-CN" altLang="en-US" sz="2000" dirty="0"/>
-              <a:t>：</a:t>
-            </a:r>
-          </a:p>
-        </p:txBody>
-      </p:sp>
-      <p:sp>
-        <p:nvSpPr>
-          <p:cNvPr id="6" name="标题 1">
-            <a:extLst>
-              <a:ext uri="{FF2B5EF4-FFF2-40B4-BE49-F238E27FC236}">
-                <a16:creationId xmlns:a16="http://schemas.microsoft.com/office/drawing/2014/main" id="{F82D9E81-FE08-466B-A995-169CBC42D0D8}"/>
-              </a:ext>
-            </a:extLst>
-          </p:cNvPr>
-          <p:cNvSpPr>
-            <a:spLocks noGrp="1"/>
-          </p:cNvSpPr>
-          <p:nvPr>
-            <p:ph type="title"/>
-          </p:nvPr>
-        </p:nvSpPr>
-        <p:spPr>
-          <a:xfrm>
-            <a:off x="419879" y="365125"/>
-            <a:ext cx="11551298" cy="969153"/>
-          </a:xfrm>
-        </p:spPr>
-        <p:txBody>
-          <a:bodyPr>
-            <a:noAutofit/>
-          </a:bodyPr>
-          <a:lstStyle/>
-          <a:p>
-            <a:r>
-              <a:rPr lang="en-US" altLang="zh-CN" sz="3200" dirty="0"/>
-              <a:t>class Ekf2 : public control::</a:t>
-            </a:r>
-            <a:r>
-              <a:rPr lang="en-US" altLang="zh-CN" sz="3200" dirty="0" err="1"/>
-              <a:t>SuperBlock</a:t>
-            </a:r>
-            <a:r>
-              <a:rPr lang="en-US" altLang="zh-CN" sz="3200" dirty="0"/>
-              <a:t>, public </a:t>
-            </a:r>
-            <a:r>
-              <a:rPr lang="en-US" altLang="zh-CN" sz="3200" dirty="0" err="1"/>
-              <a:t>ModuleBase</a:t>
-            </a:r>
-            <a:r>
-              <a:rPr lang="en-US" altLang="zh-CN" sz="3200" dirty="0"/>
-              <a:t>&lt;Ekf2&gt;</a:t>
-            </a:r>
-            <a:endParaRPr lang="zh-CN" altLang="en-US" sz="3200" dirty="0"/>
-          </a:p>
-        </p:txBody>
-      </p:sp>
-      <p:pic>
-        <p:nvPicPr>
-          <p:cNvPr id="7" name="图片 6">
-            <a:extLst>
-              <a:ext uri="{FF2B5EF4-FFF2-40B4-BE49-F238E27FC236}">
-                <a16:creationId xmlns:a16="http://schemas.microsoft.com/office/drawing/2014/main" id="{AA924D94-2132-4B3C-8925-6823961BD6C1}"/>
-              </a:ext>
-            </a:extLst>
-          </p:cNvPr>
-          <p:cNvPicPr>
-            <a:picLocks noChangeAspect="1"/>
-          </p:cNvPicPr>
-          <p:nvPr/>
-        </p:nvPicPr>
-        <p:blipFill>
-          <a:blip r:embed="rId2"/>
-          <a:stretch>
-            <a:fillRect/>
-          </a:stretch>
-        </p:blipFill>
-        <p:spPr>
-          <a:xfrm>
-            <a:off x="2405821" y="1334278"/>
-            <a:ext cx="5364945" cy="1059272"/>
-          </a:xfrm>
-          <a:prstGeom prst="rect">
-            <a:avLst/>
-          </a:prstGeom>
-        </p:spPr>
-      </p:pic>
-      <p:pic>
-        <p:nvPicPr>
-          <p:cNvPr id="8" name="图片 7">
-            <a:extLst>
-              <a:ext uri="{FF2B5EF4-FFF2-40B4-BE49-F238E27FC236}">
-                <a16:creationId xmlns:a16="http://schemas.microsoft.com/office/drawing/2014/main" id="{5AD7BD98-1D38-4503-AAA5-5FCD999089A5}"/>
-              </a:ext>
-            </a:extLst>
-          </p:cNvPr>
-          <p:cNvPicPr>
-            <a:picLocks noChangeAspect="1"/>
-          </p:cNvPicPr>
-          <p:nvPr/>
-        </p:nvPicPr>
-        <p:blipFill>
-          <a:blip r:embed="rId3"/>
-          <a:stretch>
-            <a:fillRect/>
-          </a:stretch>
-        </p:blipFill>
-        <p:spPr>
-          <a:xfrm>
-            <a:off x="2405821" y="2775912"/>
-            <a:ext cx="4206605" cy="586791"/>
-          </a:xfrm>
-          <a:prstGeom prst="rect">
-            <a:avLst/>
-          </a:prstGeom>
-        </p:spPr>
-      </p:pic>
-      <p:pic>
-        <p:nvPicPr>
-          <p:cNvPr id="9" name="图片 8">
-            <a:extLst>
-              <a:ext uri="{FF2B5EF4-FFF2-40B4-BE49-F238E27FC236}">
-                <a16:creationId xmlns:a16="http://schemas.microsoft.com/office/drawing/2014/main" id="{138C7DF4-5E46-43E5-BBB2-FDF277E49A8D}"/>
-              </a:ext>
-            </a:extLst>
-          </p:cNvPr>
-          <p:cNvPicPr>
-            <a:picLocks noChangeAspect="1"/>
-          </p:cNvPicPr>
-          <p:nvPr/>
-        </p:nvPicPr>
-        <p:blipFill>
-          <a:blip r:embed="rId4"/>
-          <a:stretch>
-            <a:fillRect/>
-          </a:stretch>
-        </p:blipFill>
-        <p:spPr>
-          <a:xfrm>
-            <a:off x="2405821" y="3803152"/>
-            <a:ext cx="4450466" cy="716342"/>
-          </a:xfrm>
-          <a:prstGeom prst="rect">
-            <a:avLst/>
-          </a:prstGeom>
-        </p:spPr>
-      </p:pic>
-      <p:sp>
-        <p:nvSpPr>
-          <p:cNvPr id="11" name="内容占位符 2">
-            <a:extLst>
-              <a:ext uri="{FF2B5EF4-FFF2-40B4-BE49-F238E27FC236}">
-                <a16:creationId xmlns:a16="http://schemas.microsoft.com/office/drawing/2014/main" id="{8739278C-5DBA-4FA7-8242-0340E6F57AC0}"/>
-              </a:ext>
-            </a:extLst>
-          </p:cNvPr>
-          <p:cNvSpPr txBox="1">
-            <a:spLocks/>
-          </p:cNvSpPr>
-          <p:nvPr/>
-        </p:nvSpPr>
-        <p:spPr>
-          <a:xfrm>
-            <a:off x="937728" y="1324947"/>
-            <a:ext cx="10515600" cy="4351338"/>
-          </a:xfrm>
-          <a:prstGeom prst="rect">
-            <a:avLst/>
-          </a:prstGeom>
-        </p:spPr>
-        <p:txBody>
-          <a:bodyPr vert="horz" lIns="91440" tIns="45720" rIns="91440" bIns="45720" rtlCol="0">
-            <a:normAutofit/>
-          </a:bodyPr>
-          <a:lstStyle>
-            <a:lvl1pPr marL="228600" indent="-228600" algn="l" defTabSz="914400" rtl="0" eaLnBrk="1" latinLnBrk="0" hangingPunct="1">
-              <a:lnSpc>
-                <a:spcPct val="90000"/>
-              </a:lnSpc>
-              <a:spcBef>
-                <a:spcPts val="1000"/>
-              </a:spcBef>
-              <a:buFont typeface="Arial" panose="020B0604020202020204" pitchFamily="34" charset="0"/>
-              <a:buChar char="•"/>
-              <a:defRPr sz="2800" kern="1200">
-                <a:solidFill>
-                  <a:schemeClr val="tx1"/>
-                </a:solidFill>
-                <a:latin typeface="+mn-lt"/>
-                <a:ea typeface="+mn-ea"/>
-                <a:cs typeface="+mn-cs"/>
-              </a:defRPr>
-            </a:lvl1pPr>
-            <a:lvl2pPr marL="685800" indent="-228600" algn="l" defTabSz="914400" rtl="0" eaLnBrk="1" latinLnBrk="0" hangingPunct="1">
-              <a:lnSpc>
-                <a:spcPct val="90000"/>
-              </a:lnSpc>
-              <a:spcBef>
-                <a:spcPts val="500"/>
-              </a:spcBef>
-              <a:buFont typeface="Arial" panose="020B0604020202020204" pitchFamily="34" charset="0"/>
-              <a:buChar char="•"/>
-              <a:defRPr sz="2400" kern="1200">
-                <a:solidFill>
-                  <a:schemeClr val="tx1"/>
-                </a:solidFill>
-                <a:latin typeface="+mn-lt"/>
-                <a:ea typeface="+mn-ea"/>
-                <a:cs typeface="+mn-cs"/>
-              </a:defRPr>
-            </a:lvl2pPr>
-            <a:lvl3pPr marL="1143000" indent="-228600" algn="l" defTabSz="914400" rtl="0" eaLnBrk="1" latinLnBrk="0" hangingPunct="1">
-              <a:lnSpc>
-                <a:spcPct val="90000"/>
-              </a:lnSpc>
-              <a:spcBef>
-                <a:spcPts val="500"/>
-              </a:spcBef>
-              <a:buFont typeface="Arial" panose="020B0604020202020204" pitchFamily="34" charset="0"/>
-              <a:buChar char="•"/>
-              <a:defRPr sz="2000" kern="1200">
-                <a:solidFill>
-                  <a:schemeClr val="tx1"/>
-                </a:solidFill>
-                <a:latin typeface="+mn-lt"/>
-                <a:ea typeface="+mn-ea"/>
-                <a:cs typeface="+mn-cs"/>
-              </a:defRPr>
-            </a:lvl3pPr>
-            <a:lvl4pPr marL="1600200" indent="-228600" algn="l" defTabSz="914400" rtl="0" eaLnBrk="1" latinLnBrk="0" hangingPunct="1">
-              <a:lnSpc>
-                <a:spcPct val="90000"/>
-              </a:lnSpc>
-              <a:spcBef>
-                <a:spcPts val="500"/>
-              </a:spcBef>
-              <a:buFont typeface="Arial" panose="020B0604020202020204" pitchFamily="34" charset="0"/>
-              <a:buChar char="•"/>
-              <a:defRPr sz="1800" kern="1200">
-                <a:solidFill>
-                  <a:schemeClr val="tx1"/>
-                </a:solidFill>
-                <a:latin typeface="+mn-lt"/>
-                <a:ea typeface="+mn-ea"/>
-                <a:cs typeface="+mn-cs"/>
-              </a:defRPr>
-            </a:lvl4pPr>
-            <a:lvl5pPr marL="2057400" indent="-228600" algn="l" defTabSz="914400" rtl="0" eaLnBrk="1" latinLnBrk="0" hangingPunct="1">
-              <a:lnSpc>
-                <a:spcPct val="90000"/>
-              </a:lnSpc>
-              <a:spcBef>
-                <a:spcPts val="500"/>
-              </a:spcBef>
-              <a:buFont typeface="Arial" panose="020B0604020202020204" pitchFamily="34" charset="0"/>
-              <a:buChar char="•"/>
-              <a:defRPr sz="1800" kern="1200">
-                <a:solidFill>
-                  <a:schemeClr val="tx1"/>
-                </a:solidFill>
-                <a:latin typeface="+mn-lt"/>
-                <a:ea typeface="+mn-ea"/>
-                <a:cs typeface="+mn-cs"/>
-              </a:defRPr>
-            </a:lvl5pPr>
-            <a:lvl6pPr marL="2514600" indent="-228600" algn="l" defTabSz="914400" rtl="0" eaLnBrk="1" latinLnBrk="0" hangingPunct="1">
-              <a:lnSpc>
-                <a:spcPct val="90000"/>
-              </a:lnSpc>
-              <a:spcBef>
-                <a:spcPts val="500"/>
-              </a:spcBef>
-              <a:buFont typeface="Arial" panose="020B0604020202020204" pitchFamily="34" charset="0"/>
-              <a:buChar char="•"/>
-              <a:defRPr sz="1800" kern="1200">
-                <a:solidFill>
-                  <a:schemeClr val="tx1"/>
-                </a:solidFill>
-                <a:latin typeface="+mn-lt"/>
-                <a:ea typeface="+mn-ea"/>
-                <a:cs typeface="+mn-cs"/>
-              </a:defRPr>
-            </a:lvl6pPr>
-            <a:lvl7pPr marL="2971800" indent="-228600" algn="l" defTabSz="914400" rtl="0" eaLnBrk="1" latinLnBrk="0" hangingPunct="1">
-              <a:lnSpc>
-                <a:spcPct val="90000"/>
-              </a:lnSpc>
-              <a:spcBef>
-                <a:spcPts val="500"/>
-              </a:spcBef>
-              <a:buFont typeface="Arial" panose="020B0604020202020204" pitchFamily="34" charset="0"/>
-              <a:buChar char="•"/>
-              <a:defRPr sz="1800" kern="1200">
-                <a:solidFill>
-                  <a:schemeClr val="tx1"/>
-                </a:solidFill>
-                <a:latin typeface="+mn-lt"/>
-                <a:ea typeface="+mn-ea"/>
-                <a:cs typeface="+mn-cs"/>
-              </a:defRPr>
-            </a:lvl7pPr>
-            <a:lvl8pPr marL="3429000" indent="-228600" algn="l" defTabSz="914400" rtl="0" eaLnBrk="1" latinLnBrk="0" hangingPunct="1">
-              <a:lnSpc>
-                <a:spcPct val="90000"/>
-              </a:lnSpc>
-              <a:spcBef>
-                <a:spcPts val="500"/>
-              </a:spcBef>
-              <a:buFont typeface="Arial" panose="020B0604020202020204" pitchFamily="34" charset="0"/>
-              <a:buChar char="•"/>
-              <a:defRPr sz="1800" kern="1200">
-                <a:solidFill>
-                  <a:schemeClr val="tx1"/>
-                </a:solidFill>
-                <a:latin typeface="+mn-lt"/>
-                <a:ea typeface="+mn-ea"/>
-                <a:cs typeface="+mn-cs"/>
-              </a:defRPr>
-            </a:lvl8pPr>
-            <a:lvl9pPr marL="3886200" indent="-228600" algn="l" defTabSz="914400" rtl="0" eaLnBrk="1" latinLnBrk="0" hangingPunct="1">
-              <a:lnSpc>
-                <a:spcPct val="90000"/>
-              </a:lnSpc>
-              <a:spcBef>
-                <a:spcPts val="500"/>
-              </a:spcBef>
-              <a:buFont typeface="Arial" panose="020B0604020202020204" pitchFamily="34" charset="0"/>
-              <a:buChar char="•"/>
-              <a:defRPr sz="1800" kern="1200">
-                <a:solidFill>
-                  <a:schemeClr val="tx1"/>
-                </a:solidFill>
-                <a:latin typeface="+mn-lt"/>
-                <a:ea typeface="+mn-ea"/>
-                <a:cs typeface="+mn-cs"/>
-              </a:defRPr>
-            </a:lvl9pPr>
-          </a:lstStyle>
-          <a:p>
-            <a:r>
-              <a:rPr lang="en-US" altLang="zh-CN" sz="2000"/>
-              <a:t>Private</a:t>
-            </a:r>
-            <a:r>
-              <a:rPr lang="zh-CN" altLang="en-US" sz="2000"/>
-              <a:t>：</a:t>
-            </a:r>
-            <a:endParaRPr lang="zh-CN" altLang="en-US" sz="2000" dirty="0"/>
-          </a:p>
-        </p:txBody>
-      </p:sp>
-      <p:sp>
-        <p:nvSpPr>
-          <p:cNvPr id="12" name="标题 1">
-            <a:extLst>
-              <a:ext uri="{FF2B5EF4-FFF2-40B4-BE49-F238E27FC236}">
-                <a16:creationId xmlns:a16="http://schemas.microsoft.com/office/drawing/2014/main" id="{A2F39B43-EB51-4BE9-86D4-3BB0C7DB0A0B}"/>
-              </a:ext>
-            </a:extLst>
-          </p:cNvPr>
-          <p:cNvSpPr txBox="1">
-            <a:spLocks/>
-          </p:cNvSpPr>
-          <p:nvPr/>
-        </p:nvSpPr>
-        <p:spPr>
-          <a:xfrm>
-            <a:off x="419879" y="355794"/>
-            <a:ext cx="11551298" cy="969153"/>
-          </a:xfrm>
-          <a:prstGeom prst="rect">
-            <a:avLst/>
-          </a:prstGeom>
-        </p:spPr>
-        <p:txBody>
-          <a:bodyPr vert="horz" lIns="91440" tIns="45720" rIns="91440" bIns="45720" rtlCol="0" anchor="ctr">
-            <a:noAutofit/>
-          </a:bodyPr>
-          <a:lstStyle>
-            <a:lvl1pPr algn="l" defTabSz="914400" rtl="0" eaLnBrk="1" latinLnBrk="0" hangingPunct="1">
-              <a:lnSpc>
-                <a:spcPct val="90000"/>
-              </a:lnSpc>
-              <a:spcBef>
-                <a:spcPct val="0"/>
-              </a:spcBef>
+            <a:pPr marL="0" indent="0">
               <a:buNone/>
-              <a:defRPr sz="4400" kern="1200">
-                <a:solidFill>
-                  <a:schemeClr val="tx1"/>
-                </a:solidFill>
-                <a:latin typeface="+mj-lt"/>
-                <a:ea typeface="+mj-ea"/>
-                <a:cs typeface="+mj-cs"/>
-              </a:defRPr>
-            </a:lvl1pPr>
-          </a:lstStyle>
-          <a:p>
-            <a:r>
-              <a:rPr lang="en-US" altLang="zh-CN" sz="3200"/>
-              <a:t>class Ekf2 : public control::SuperBlock, public ModuleBase&lt;Ekf2&gt;</a:t>
-            </a:r>
-            <a:endParaRPr lang="zh-CN" altLang="en-US" sz="3200" dirty="0"/>
+            </a:pPr>
+            <a:r>
+              <a:rPr lang="zh-CN" altLang="en-US" dirty="0"/>
+              <a:t>详见</a:t>
+            </a:r>
+            <a:r>
+              <a:rPr lang="en-US" altLang="zh-CN" dirty="0">
+                <a:hlinkClick r:id="rId2" action="ppaction://hlinkfile"/>
+              </a:rPr>
+              <a:t>Instructions of uORB.docx</a:t>
+            </a:r>
+            <a:endParaRPr lang="en-US" altLang="zh-CN" dirty="0"/>
           </a:p>
         </p:txBody>
       </p:sp>
     </p:spTree>
     <p:extLst>
       <p:ext uri="{BB962C8B-B14F-4D97-AF65-F5344CB8AC3E}">
-        <p14:creationId xmlns:p14="http://schemas.microsoft.com/office/powerpoint/2010/main" val="3642054515"/>
+        <p14:creationId xmlns:p14="http://schemas.microsoft.com/office/powerpoint/2010/main" val="3697768218"/>
       </p:ext>
     </p:extLst>
   </p:cSld>
@@ -7223,284 +8277,103 @@
       </p:grpSpPr>
       <p:sp>
         <p:nvSpPr>
-          <p:cNvPr id="4" name="内容占位符 2">
-            <a:extLst>
-              <a:ext uri="{FF2B5EF4-FFF2-40B4-BE49-F238E27FC236}">
-                <a16:creationId xmlns:a16="http://schemas.microsoft.com/office/drawing/2014/main" id="{D9F5AD39-35CE-4AC5-8E38-96C70DBDE2E0}"/>
-              </a:ext>
-            </a:extLst>
-          </p:cNvPr>
-          <p:cNvSpPr txBox="1">
-            <a:spLocks/>
-          </p:cNvSpPr>
-          <p:nvPr/>
+          <p:cNvPr id="2" name="标题 1">
+            <a:extLst>
+              <a:ext uri="{FF2B5EF4-FFF2-40B4-BE49-F238E27FC236}">
+                <a16:creationId xmlns:a16="http://schemas.microsoft.com/office/drawing/2014/main" id="{8F86B1ED-ABF7-4FD5-A3EE-FF46F2DBBFC1}"/>
+              </a:ext>
+            </a:extLst>
+          </p:cNvPr>
+          <p:cNvSpPr>
+            <a:spLocks noGrp="1"/>
+          </p:cNvSpPr>
+          <p:nvPr>
+            <p:ph type="title"/>
+          </p:nvPr>
         </p:nvSpPr>
         <p:spPr>
           <a:xfrm>
-            <a:off x="937728" y="1324947"/>
-            <a:ext cx="10515600" cy="4351338"/>
+            <a:off x="419879" y="365125"/>
+            <a:ext cx="11551298" cy="969153"/>
           </a:xfrm>
-          <a:prstGeom prst="rect">
-            <a:avLst/>
-          </a:prstGeom>
         </p:spPr>
         <p:txBody>
-          <a:bodyPr vert="horz" lIns="91440" tIns="45720" rIns="91440" bIns="45720" rtlCol="0">
-            <a:normAutofit/>
+          <a:bodyPr>
+            <a:noAutofit/>
           </a:bodyPr>
-          <a:lstStyle>
-            <a:lvl1pPr marL="228600" indent="-228600" algn="l" defTabSz="914400" rtl="0" eaLnBrk="1" latinLnBrk="0" hangingPunct="1">
-              <a:lnSpc>
-                <a:spcPct val="90000"/>
-              </a:lnSpc>
-              <a:spcBef>
-                <a:spcPts val="1000"/>
-              </a:spcBef>
-              <a:buFont typeface="Arial" panose="020B0604020202020204" pitchFamily="34" charset="0"/>
-              <a:buChar char="•"/>
-              <a:defRPr sz="2800" kern="1200">
-                <a:solidFill>
-                  <a:schemeClr val="tx1"/>
-                </a:solidFill>
-                <a:latin typeface="+mn-lt"/>
-                <a:ea typeface="+mn-ea"/>
-                <a:cs typeface="+mn-cs"/>
-              </a:defRPr>
-            </a:lvl1pPr>
-            <a:lvl2pPr marL="685800" indent="-228600" algn="l" defTabSz="914400" rtl="0" eaLnBrk="1" latinLnBrk="0" hangingPunct="1">
-              <a:lnSpc>
-                <a:spcPct val="90000"/>
-              </a:lnSpc>
-              <a:spcBef>
-                <a:spcPts val="500"/>
-              </a:spcBef>
-              <a:buFont typeface="Arial" panose="020B0604020202020204" pitchFamily="34" charset="0"/>
-              <a:buChar char="•"/>
-              <a:defRPr sz="2400" kern="1200">
-                <a:solidFill>
-                  <a:schemeClr val="tx1"/>
-                </a:solidFill>
-                <a:latin typeface="+mn-lt"/>
-                <a:ea typeface="+mn-ea"/>
-                <a:cs typeface="+mn-cs"/>
-              </a:defRPr>
-            </a:lvl2pPr>
-            <a:lvl3pPr marL="1143000" indent="-228600" algn="l" defTabSz="914400" rtl="0" eaLnBrk="1" latinLnBrk="0" hangingPunct="1">
-              <a:lnSpc>
-                <a:spcPct val="90000"/>
-              </a:lnSpc>
-              <a:spcBef>
-                <a:spcPts val="500"/>
-              </a:spcBef>
-              <a:buFont typeface="Arial" panose="020B0604020202020204" pitchFamily="34" charset="0"/>
-              <a:buChar char="•"/>
-              <a:defRPr sz="2000" kern="1200">
-                <a:solidFill>
-                  <a:schemeClr val="tx1"/>
-                </a:solidFill>
-                <a:latin typeface="+mn-lt"/>
-                <a:ea typeface="+mn-ea"/>
-                <a:cs typeface="+mn-cs"/>
-              </a:defRPr>
-            </a:lvl3pPr>
-            <a:lvl4pPr marL="1600200" indent="-228600" algn="l" defTabSz="914400" rtl="0" eaLnBrk="1" latinLnBrk="0" hangingPunct="1">
-              <a:lnSpc>
-                <a:spcPct val="90000"/>
-              </a:lnSpc>
-              <a:spcBef>
-                <a:spcPts val="500"/>
-              </a:spcBef>
-              <a:buFont typeface="Arial" panose="020B0604020202020204" pitchFamily="34" charset="0"/>
-              <a:buChar char="•"/>
-              <a:defRPr sz="1800" kern="1200">
-                <a:solidFill>
-                  <a:schemeClr val="tx1"/>
-                </a:solidFill>
-                <a:latin typeface="+mn-lt"/>
-                <a:ea typeface="+mn-ea"/>
-                <a:cs typeface="+mn-cs"/>
-              </a:defRPr>
-            </a:lvl4pPr>
-            <a:lvl5pPr marL="2057400" indent="-228600" algn="l" defTabSz="914400" rtl="0" eaLnBrk="1" latinLnBrk="0" hangingPunct="1">
-              <a:lnSpc>
-                <a:spcPct val="90000"/>
-              </a:lnSpc>
-              <a:spcBef>
-                <a:spcPts val="500"/>
-              </a:spcBef>
-              <a:buFont typeface="Arial" panose="020B0604020202020204" pitchFamily="34" charset="0"/>
-              <a:buChar char="•"/>
-              <a:defRPr sz="1800" kern="1200">
-                <a:solidFill>
-                  <a:schemeClr val="tx1"/>
-                </a:solidFill>
-                <a:latin typeface="+mn-lt"/>
-                <a:ea typeface="+mn-ea"/>
-                <a:cs typeface="+mn-cs"/>
-              </a:defRPr>
-            </a:lvl5pPr>
-            <a:lvl6pPr marL="2514600" indent="-228600" algn="l" defTabSz="914400" rtl="0" eaLnBrk="1" latinLnBrk="0" hangingPunct="1">
-              <a:lnSpc>
-                <a:spcPct val="90000"/>
-              </a:lnSpc>
-              <a:spcBef>
-                <a:spcPts val="500"/>
-              </a:spcBef>
-              <a:buFont typeface="Arial" panose="020B0604020202020204" pitchFamily="34" charset="0"/>
-              <a:buChar char="•"/>
-              <a:defRPr sz="1800" kern="1200">
-                <a:solidFill>
-                  <a:schemeClr val="tx1"/>
-                </a:solidFill>
-                <a:latin typeface="+mn-lt"/>
-                <a:ea typeface="+mn-ea"/>
-                <a:cs typeface="+mn-cs"/>
-              </a:defRPr>
-            </a:lvl6pPr>
-            <a:lvl7pPr marL="2971800" indent="-228600" algn="l" defTabSz="914400" rtl="0" eaLnBrk="1" latinLnBrk="0" hangingPunct="1">
-              <a:lnSpc>
-                <a:spcPct val="90000"/>
-              </a:lnSpc>
-              <a:spcBef>
-                <a:spcPts val="500"/>
-              </a:spcBef>
-              <a:buFont typeface="Arial" panose="020B0604020202020204" pitchFamily="34" charset="0"/>
-              <a:buChar char="•"/>
-              <a:defRPr sz="1800" kern="1200">
-                <a:solidFill>
-                  <a:schemeClr val="tx1"/>
-                </a:solidFill>
-                <a:latin typeface="+mn-lt"/>
-                <a:ea typeface="+mn-ea"/>
-                <a:cs typeface="+mn-cs"/>
-              </a:defRPr>
-            </a:lvl7pPr>
-            <a:lvl8pPr marL="3429000" indent="-228600" algn="l" defTabSz="914400" rtl="0" eaLnBrk="1" latinLnBrk="0" hangingPunct="1">
-              <a:lnSpc>
-                <a:spcPct val="90000"/>
-              </a:lnSpc>
-              <a:spcBef>
-                <a:spcPts val="500"/>
-              </a:spcBef>
-              <a:buFont typeface="Arial" panose="020B0604020202020204" pitchFamily="34" charset="0"/>
-              <a:buChar char="•"/>
-              <a:defRPr sz="1800" kern="1200">
-                <a:solidFill>
-                  <a:schemeClr val="tx1"/>
-                </a:solidFill>
-                <a:latin typeface="+mn-lt"/>
-                <a:ea typeface="+mn-ea"/>
-                <a:cs typeface="+mn-cs"/>
-              </a:defRPr>
-            </a:lvl8pPr>
-            <a:lvl9pPr marL="3886200" indent="-228600" algn="l" defTabSz="914400" rtl="0" eaLnBrk="1" latinLnBrk="0" hangingPunct="1">
-              <a:lnSpc>
-                <a:spcPct val="90000"/>
-              </a:lnSpc>
-              <a:spcBef>
-                <a:spcPts val="500"/>
-              </a:spcBef>
-              <a:buFont typeface="Arial" panose="020B0604020202020204" pitchFamily="34" charset="0"/>
-              <a:buChar char="•"/>
-              <a:defRPr sz="1800" kern="1200">
-                <a:solidFill>
-                  <a:schemeClr val="tx1"/>
-                </a:solidFill>
-                <a:latin typeface="+mn-lt"/>
-                <a:ea typeface="+mn-ea"/>
-                <a:cs typeface="+mn-cs"/>
-              </a:defRPr>
-            </a:lvl9pPr>
-          </a:lstStyle>
+          <a:lstStyle/>
+          <a:p>
+            <a:r>
+              <a:rPr lang="en-US" altLang="zh-CN" sz="3200" dirty="0"/>
+              <a:t>class Ekf2 : public control::</a:t>
+            </a:r>
+            <a:r>
+              <a:rPr lang="en-US" altLang="zh-CN" sz="3200" dirty="0" err="1"/>
+              <a:t>SuperBlock</a:t>
+            </a:r>
+            <a:r>
+              <a:rPr lang="en-US" altLang="zh-CN" sz="3200" dirty="0"/>
+              <a:t>, public </a:t>
+            </a:r>
+            <a:r>
+              <a:rPr lang="en-US" altLang="zh-CN" sz="3200" dirty="0" err="1"/>
+              <a:t>ModuleBase</a:t>
+            </a:r>
+            <a:r>
+              <a:rPr lang="en-US" altLang="zh-CN" sz="3200" dirty="0"/>
+              <a:t>&lt;Ekf2&gt;</a:t>
+            </a:r>
+            <a:endParaRPr lang="zh-CN" altLang="en-US" sz="3200" dirty="0"/>
+          </a:p>
+        </p:txBody>
+      </p:sp>
+      <p:sp>
+        <p:nvSpPr>
+          <p:cNvPr id="3" name="内容占位符 2">
+            <a:extLst>
+              <a:ext uri="{FF2B5EF4-FFF2-40B4-BE49-F238E27FC236}">
+                <a16:creationId xmlns:a16="http://schemas.microsoft.com/office/drawing/2014/main" id="{2C410E6A-FC94-4803-B4F9-2F13490AE619}"/>
+              </a:ext>
+            </a:extLst>
+          </p:cNvPr>
+          <p:cNvSpPr>
+            <a:spLocks noGrp="1"/>
+          </p:cNvSpPr>
+          <p:nvPr>
+            <p:ph idx="1"/>
+          </p:nvPr>
+        </p:nvSpPr>
+        <p:spPr>
+          <a:xfrm>
+            <a:off x="838200" y="1334278"/>
+            <a:ext cx="4083996" cy="4842685"/>
+          </a:xfrm>
+        </p:spPr>
+        <p:txBody>
+          <a:bodyPr/>
+          <a:lstStyle/>
           <a:p>
             <a:r>
               <a:rPr lang="en-US" altLang="zh-CN" sz="2000" dirty="0"/>
-              <a:t>Private</a:t>
+              <a:t>Public</a:t>
             </a:r>
             <a:r>
               <a:rPr lang="zh-CN" altLang="en-US" sz="2000" dirty="0"/>
               <a:t>：</a:t>
             </a:r>
-          </a:p>
-        </p:txBody>
-      </p:sp>
-      <p:sp>
-        <p:nvSpPr>
-          <p:cNvPr id="5" name="标题 1">
-            <a:extLst>
-              <a:ext uri="{FF2B5EF4-FFF2-40B4-BE49-F238E27FC236}">
-                <a16:creationId xmlns:a16="http://schemas.microsoft.com/office/drawing/2014/main" id="{9AD536E7-9CC2-4C74-874B-A1CDCFAA0113}"/>
-              </a:ext>
-            </a:extLst>
-          </p:cNvPr>
-          <p:cNvSpPr txBox="1">
-            <a:spLocks/>
-          </p:cNvSpPr>
-          <p:nvPr/>
-        </p:nvSpPr>
-        <p:spPr>
-          <a:xfrm>
-            <a:off x="419879" y="355794"/>
-            <a:ext cx="11551298" cy="969153"/>
-          </a:xfrm>
-          <a:prstGeom prst="rect">
-            <a:avLst/>
-          </a:prstGeom>
-        </p:spPr>
-        <p:txBody>
-          <a:bodyPr vert="horz" lIns="91440" tIns="45720" rIns="91440" bIns="45720" rtlCol="0" anchor="ctr">
-            <a:noAutofit/>
-          </a:bodyPr>
-          <a:lstStyle>
-            <a:lvl1pPr algn="l" defTabSz="914400" rtl="0" eaLnBrk="1" latinLnBrk="0" hangingPunct="1">
-              <a:lnSpc>
-                <a:spcPct val="90000"/>
-              </a:lnSpc>
-              <a:spcBef>
-                <a:spcPct val="0"/>
-              </a:spcBef>
-              <a:buNone/>
-              <a:defRPr sz="4400" kern="1200">
-                <a:solidFill>
-                  <a:schemeClr val="tx1"/>
-                </a:solidFill>
-                <a:latin typeface="+mj-lt"/>
-                <a:ea typeface="+mj-ea"/>
-                <a:cs typeface="+mj-cs"/>
-              </a:defRPr>
-            </a:lvl1pPr>
-          </a:lstStyle>
-          <a:p>
-            <a:r>
-              <a:rPr lang="en-US" altLang="zh-CN" sz="3200" dirty="0"/>
-              <a:t>class Ekf2 : public control::</a:t>
-            </a:r>
-            <a:r>
-              <a:rPr lang="en-US" altLang="zh-CN" sz="3200" dirty="0" err="1"/>
-              <a:t>SuperBlock</a:t>
-            </a:r>
-            <a:r>
-              <a:rPr lang="en-US" altLang="zh-CN" sz="3200" dirty="0"/>
-              <a:t>, public </a:t>
-            </a:r>
-            <a:r>
-              <a:rPr lang="en-US" altLang="zh-CN" sz="3200" dirty="0" err="1"/>
-              <a:t>ModuleBase</a:t>
-            </a:r>
-            <a:r>
-              <a:rPr lang="en-US" altLang="zh-CN" sz="3200" dirty="0"/>
-              <a:t>&lt;Ekf2&gt;</a:t>
-            </a:r>
-            <a:endParaRPr lang="zh-CN" altLang="en-US" sz="3200" dirty="0"/>
+            <a:endParaRPr lang="en-US" altLang="zh-CN" sz="2000" dirty="0"/>
+          </a:p>
+          <a:p>
+            <a:endParaRPr lang="zh-CN" altLang="en-US" dirty="0"/>
           </a:p>
         </p:txBody>
       </p:sp>
       <p:pic>
         <p:nvPicPr>
-          <p:cNvPr id="6" name="图片 5">
-            <a:extLst>
-              <a:ext uri="{FF2B5EF4-FFF2-40B4-BE49-F238E27FC236}">
-                <a16:creationId xmlns:a16="http://schemas.microsoft.com/office/drawing/2014/main" id="{BD7B1AFE-C232-44B0-BAC0-5F7FC2319B51}"/>
+          <p:cNvPr id="7" name="图片 6">
+            <a:extLst>
+              <a:ext uri="{FF2B5EF4-FFF2-40B4-BE49-F238E27FC236}">
+                <a16:creationId xmlns:a16="http://schemas.microsoft.com/office/drawing/2014/main" id="{19E6EA36-D122-4240-B63C-535935196A29}"/>
               </a:ext>
             </a:extLst>
           </p:cNvPr>
@@ -7517,38 +8390,8 @@
         </p:blipFill>
         <p:spPr>
           <a:xfrm>
-            <a:off x="2255952" y="1390262"/>
-            <a:ext cx="6149873" cy="2621507"/>
-          </a:xfrm>
-          <a:prstGeom prst="rect">
-            <a:avLst/>
-          </a:prstGeom>
-        </p:spPr>
-      </p:pic>
-      <p:pic>
-        <p:nvPicPr>
-          <p:cNvPr id="7" name="图片 6">
-            <a:extLst>
-              <a:ext uri="{FF2B5EF4-FFF2-40B4-BE49-F238E27FC236}">
-                <a16:creationId xmlns:a16="http://schemas.microsoft.com/office/drawing/2014/main" id="{922B323E-ED56-4A00-9878-A76AD2FFCC79}"/>
-              </a:ext>
-            </a:extLst>
-          </p:cNvPr>
-          <p:cNvPicPr>
-            <a:picLocks noChangeAspect="1"/>
-          </p:cNvPicPr>
-          <p:nvPr/>
-        </p:nvPicPr>
-        <p:blipFill>
-          <a:blip r:embed="rId3"/>
-          <a:stretch>
-            <a:fillRect/>
-          </a:stretch>
-        </p:blipFill>
-        <p:spPr>
-          <a:xfrm>
-            <a:off x="2255952" y="4329355"/>
-            <a:ext cx="7978831" cy="1303133"/>
+            <a:off x="2639008" y="1334278"/>
+            <a:ext cx="5431972" cy="5213444"/>
           </a:xfrm>
           <a:prstGeom prst="rect">
             <a:avLst/>
@@ -7558,7 +8401,7 @@
     </p:spTree>
     <p:extLst>
       <p:ext uri="{BB962C8B-B14F-4D97-AF65-F5344CB8AC3E}">
-        <p14:creationId xmlns:p14="http://schemas.microsoft.com/office/powerpoint/2010/main" val="2381923443"/>
+        <p14:creationId xmlns:p14="http://schemas.microsoft.com/office/powerpoint/2010/main" val="2119457226"/>
       </p:ext>
     </p:extLst>
   </p:cSld>

--- a/src/modules/ekf2/EKF2.pptx
+++ b/src/modules/ekf2/EKF2.pptx
@@ -26,6 +26,7 @@
     <p:sldId id="275" r:id="rId20"/>
     <p:sldId id="277" r:id="rId21"/>
     <p:sldId id="276" r:id="rId22"/>
+    <p:sldId id="279" r:id="rId23"/>
   </p:sldIdLst>
   <p:sldSz cx="12192000" cy="6858000"/>
   <p:notesSz cx="6858000" cy="9144000"/>
@@ -7468,33 +7469,70 @@
         </p:nvSpPr>
         <p:spPr/>
         <p:txBody>
-          <a:bodyPr/>
+          <a:bodyPr>
+            <a:normAutofit lnSpcReduction="10000"/>
+          </a:bodyPr>
           <a:lstStyle/>
           <a:p>
             <a:r>
               <a:rPr lang="zh-CN" altLang="en-US" dirty="0"/>
-              <a:t>从缓冲区解析回放信息</a:t>
+              <a:t>从缓冲区解析回放信息  </a:t>
+            </a:r>
+            <a:r>
+              <a:rPr lang="en-US" altLang="zh-CN" dirty="0"/>
+              <a:t>void </a:t>
+            </a:r>
+            <a:r>
+              <a:rPr lang="en-US" altLang="zh-CN" dirty="0" err="1"/>
+              <a:t>parseMessage</a:t>
             </a:r>
             <a:endParaRPr lang="en-US" altLang="zh-CN" dirty="0"/>
           </a:p>
           <a:p>
             <a:r>
               <a:rPr lang="zh-CN" altLang="en-US" dirty="0"/>
-              <a:t>将回放数据从日志复制到主题结构中</a:t>
+              <a:t>将回放数据从日志复制到主题结构中 </a:t>
+            </a:r>
+            <a:r>
+              <a:rPr lang="en-US" altLang="zh-CN" dirty="0"/>
+              <a:t>void </a:t>
+            </a:r>
+            <a:r>
+              <a:rPr lang="en-US" altLang="zh-CN" dirty="0" err="1"/>
+              <a:t>setEstimatorInput</a:t>
             </a:r>
             <a:endParaRPr lang="en-US" altLang="zh-CN" dirty="0"/>
           </a:p>
           <a:p>
             <a:r>
               <a:rPr lang="zh-CN" altLang="en-US" dirty="0"/>
-              <a:t>发布估计器的输入数据</a:t>
-            </a:r>
-            <a:endParaRPr lang="en-US" altLang="zh-CN" dirty="0"/>
+              <a:t>发布估计器的输入数据 </a:t>
+            </a:r>
+            <a:r>
+              <a:rPr lang="en-US" altLang="zh-CN" dirty="0"/>
+              <a:t>void </a:t>
+            </a:r>
+            <a:r>
+              <a:rPr lang="en-US" altLang="zh-CN" dirty="0" err="1"/>
+              <a:t>publishEstimatorInput</a:t>
+            </a:r>
+            <a:r>
+              <a:rPr lang="en-US" altLang="zh-CN" dirty="0"/>
+              <a:t>();</a:t>
+            </a:r>
           </a:p>
           <a:p>
             <a:r>
               <a:rPr lang="zh-CN" altLang="en-US" dirty="0"/>
-              <a:t>向日志文件写入信息</a:t>
+              <a:t>向日志文件写入信息 </a:t>
+            </a:r>
+            <a:r>
+              <a:rPr lang="en-US" altLang="zh-CN" dirty="0"/>
+              <a:t>void </a:t>
+            </a:r>
+            <a:r>
+              <a:rPr lang="en-US" altLang="zh-CN" dirty="0" err="1"/>
+              <a:t>writeMessage</a:t>
             </a:r>
             <a:endParaRPr lang="en-US" altLang="zh-CN" dirty="0"/>
           </a:p>
@@ -7509,16 +7547,35 @@
             </a:r>
             <a:r>
               <a:rPr lang="zh-CN" altLang="en-US" dirty="0"/>
-              <a:t>）</a:t>
+              <a:t>） </a:t>
+            </a:r>
+            <a:r>
+              <a:rPr lang="en-US" altLang="zh-CN" dirty="0"/>
+              <a:t>bool </a:t>
+            </a:r>
+            <a:r>
+              <a:rPr lang="en-US" altLang="zh-CN" dirty="0" err="1"/>
+              <a:t>needToSaveMessage</a:t>
             </a:r>
             <a:endParaRPr lang="en-US" altLang="zh-CN" dirty="0"/>
           </a:p>
           <a:p>
             <a:r>
               <a:rPr lang="zh-CN" altLang="en-US" dirty="0"/>
-              <a:t>获取估计器输出消息并写入回放日志</a:t>
-            </a:r>
-            <a:endParaRPr lang="en-US" altLang="zh-CN" dirty="0"/>
+              <a:t>获取估计器输出消息并写入回放日志 </a:t>
+            </a:r>
+            <a:r>
+              <a:rPr lang="en-US" altLang="zh-CN" dirty="0"/>
+              <a:t>void </a:t>
+            </a:r>
+            <a:r>
+              <a:rPr lang="en-US" altLang="zh-CN" dirty="0" err="1"/>
+              <a:t>logIfUpdated</a:t>
+            </a:r>
+            <a:r>
+              <a:rPr lang="en-US" altLang="zh-CN" dirty="0"/>
+              <a:t>();</a:t>
+            </a:r>
           </a:p>
           <a:p>
             <a:r>
@@ -7526,6 +7583,23 @@
               <a:t>发布估计器的输入数据，然后它将等待来自估计器的输出数据</a:t>
             </a:r>
             <a:endParaRPr lang="en-US" altLang="zh-CN" dirty="0"/>
+          </a:p>
+          <a:p>
+            <a:pPr marL="0" indent="0">
+              <a:buNone/>
+            </a:pPr>
+            <a:r>
+              <a:rPr lang="en-US" altLang="zh-CN" dirty="0"/>
+              <a:t>void </a:t>
+            </a:r>
+            <a:r>
+              <a:rPr lang="en-US" altLang="zh-CN" dirty="0" err="1"/>
+              <a:t>publishAndWaitForEstimator</a:t>
+            </a:r>
+            <a:r>
+              <a:rPr lang="en-US" altLang="zh-CN" dirty="0"/>
+              <a:t>();</a:t>
+            </a:r>
           </a:p>
         </p:txBody>
       </p:sp>
@@ -7705,6 +7779,94 @@
     <p:extLst>
       <p:ext uri="{BB962C8B-B14F-4D97-AF65-F5344CB8AC3E}">
         <p14:creationId xmlns:p14="http://schemas.microsoft.com/office/powerpoint/2010/main" val="1925687849"/>
+      </p:ext>
+    </p:extLst>
+  </p:cSld>
+  <p:clrMapOvr>
+    <a:masterClrMapping/>
+  </p:clrMapOvr>
+</p:sld>
+</file>
+
+<file path=ppt/slides/slide22.xml><?xml version="1.0" encoding="utf-8"?>
+<p:sld xmlns:a="http://schemas.openxmlformats.org/drawingml/2006/main" xmlns:r="http://schemas.openxmlformats.org/officeDocument/2006/relationships" xmlns:p="http://schemas.openxmlformats.org/presentationml/2006/main">
+  <p:cSld>
+    <p:spTree>
+      <p:nvGrpSpPr>
+        <p:cNvPr id="1" name=""/>
+        <p:cNvGrpSpPr/>
+        <p:nvPr/>
+      </p:nvGrpSpPr>
+      <p:grpSpPr>
+        <a:xfrm>
+          <a:off x="0" y="0"/>
+          <a:ext cx="0" cy="0"/>
+          <a:chOff x="0" y="0"/>
+          <a:chExt cx="0" cy="0"/>
+        </a:xfrm>
+      </p:grpSpPr>
+      <p:sp>
+        <p:nvSpPr>
+          <p:cNvPr id="2" name="标题 1">
+            <a:extLst>
+              <a:ext uri="{FF2B5EF4-FFF2-40B4-BE49-F238E27FC236}">
+                <a16:creationId xmlns:a16="http://schemas.microsoft.com/office/drawing/2014/main" id="{48415F2C-B5CE-42BE-B8F9-C594065CCF1D}"/>
+              </a:ext>
+            </a:extLst>
+          </p:cNvPr>
+          <p:cNvSpPr>
+            <a:spLocks noGrp="1"/>
+          </p:cNvSpPr>
+          <p:nvPr>
+            <p:ph type="title"/>
+          </p:nvPr>
+        </p:nvSpPr>
+        <p:spPr/>
+        <p:txBody>
+          <a:bodyPr/>
+          <a:lstStyle/>
+          <a:p>
+            <a:endParaRPr lang="zh-CN" altLang="en-US"/>
+          </a:p>
+        </p:txBody>
+      </p:sp>
+      <p:sp>
+        <p:nvSpPr>
+          <p:cNvPr id="3" name="内容占位符 2">
+            <a:extLst>
+              <a:ext uri="{FF2B5EF4-FFF2-40B4-BE49-F238E27FC236}">
+                <a16:creationId xmlns:a16="http://schemas.microsoft.com/office/drawing/2014/main" id="{C52ABFAF-4A75-40EB-B826-D09B58329537}"/>
+              </a:ext>
+            </a:extLst>
+          </p:cNvPr>
+          <p:cNvSpPr>
+            <a:spLocks noGrp="1"/>
+          </p:cNvSpPr>
+          <p:nvPr>
+            <p:ph idx="1"/>
+          </p:nvPr>
+        </p:nvSpPr>
+        <p:spPr/>
+        <p:txBody>
+          <a:bodyPr/>
+          <a:lstStyle/>
+          <a:p>
+            <a:r>
+              <a:rPr lang="zh-CN" altLang="en-US" dirty="0"/>
+              <a:t>详细函数说明见源代码。</a:t>
+            </a:r>
+            <a:r>
+              <a:rPr lang="en-US" altLang="zh-CN" dirty="0"/>
+              <a:t>ekf2_replay_main</a:t>
+            </a:r>
+            <a:endParaRPr lang="zh-CN" altLang="en-US" dirty="0"/>
+          </a:p>
+        </p:txBody>
+      </p:sp>
+    </p:spTree>
+    <p:extLst>
+      <p:ext uri="{BB962C8B-B14F-4D97-AF65-F5344CB8AC3E}">
+        <p14:creationId xmlns:p14="http://schemas.microsoft.com/office/powerpoint/2010/main" val="1525218595"/>
       </p:ext>
     </p:extLst>
   </p:cSld>
